--- a/Analyzing.Quality.Tools/Apresentacao/ferramentas.para.otimizacao.pptx
+++ b/Analyzing.Quality.Tools/Apresentacao/ferramentas.para.otimizacao.pptx
@@ -5,10 +5,10 @@
     <p:sldMasterId id="2147483671" r:id="rId1"/>
   </p:sldMasterIdLst>
   <p:notesMasterIdLst>
-    <p:notesMasterId r:id="rId25"/>
+    <p:notesMasterId r:id="rId27"/>
   </p:notesMasterIdLst>
   <p:handoutMasterIdLst>
-    <p:handoutMasterId r:id="rId26"/>
+    <p:handoutMasterId r:id="rId28"/>
   </p:handoutMasterIdLst>
   <p:sldIdLst>
     <p:sldId id="271" r:id="rId2"/>
@@ -20,20 +20,22 @@
     <p:sldId id="282" r:id="rId8"/>
     <p:sldId id="283" r:id="rId9"/>
     <p:sldId id="284" r:id="rId10"/>
-    <p:sldId id="295" r:id="rId11"/>
+    <p:sldId id="296" r:id="rId11"/>
     <p:sldId id="286" r:id="rId12"/>
     <p:sldId id="287" r:id="rId13"/>
     <p:sldId id="288" r:id="rId14"/>
     <p:sldId id="289" r:id="rId15"/>
-    <p:sldId id="292" r:id="rId16"/>
-    <p:sldId id="293" r:id="rId17"/>
-    <p:sldId id="277" r:id="rId18"/>
-    <p:sldId id="272" r:id="rId19"/>
-    <p:sldId id="274" r:id="rId20"/>
-    <p:sldId id="290" r:id="rId21"/>
-    <p:sldId id="291" r:id="rId22"/>
-    <p:sldId id="294" r:id="rId23"/>
-    <p:sldId id="285" r:id="rId24"/>
+    <p:sldId id="298" r:id="rId16"/>
+    <p:sldId id="292" r:id="rId17"/>
+    <p:sldId id="293" r:id="rId18"/>
+    <p:sldId id="277" r:id="rId19"/>
+    <p:sldId id="272" r:id="rId20"/>
+    <p:sldId id="274" r:id="rId21"/>
+    <p:sldId id="290" r:id="rId22"/>
+    <p:sldId id="291" r:id="rId23"/>
+    <p:sldId id="294" r:id="rId24"/>
+    <p:sldId id="297" r:id="rId25"/>
+    <p:sldId id="285" r:id="rId26"/>
   </p:sldIdLst>
   <p:sldSz cx="12192000" cy="6858000"/>
   <p:notesSz cx="9388475" cy="7102475"/>
@@ -150,11 +152,12 @@
             <p14:sldId id="282"/>
             <p14:sldId id="283"/>
             <p14:sldId id="284"/>
-            <p14:sldId id="295"/>
+            <p14:sldId id="296"/>
             <p14:sldId id="286"/>
             <p14:sldId id="287"/>
             <p14:sldId id="288"/>
             <p14:sldId id="289"/>
+            <p14:sldId id="298"/>
             <p14:sldId id="292"/>
             <p14:sldId id="293"/>
             <p14:sldId id="277"/>
@@ -163,6 +166,7 @@
             <p14:sldId id="290"/>
             <p14:sldId id="291"/>
             <p14:sldId id="294"/>
+            <p14:sldId id="297"/>
             <p14:sldId id="285"/>
           </p14:sldIdLst>
         </p14:section>
@@ -20013,7 +20017,7 @@
           <a:p>
             <a:fld id="{4CBCEA92-F142-4D57-B507-37BDAF44710C}" type="slidenum">
               <a:rPr lang="en-US" smtClean="0"/>
-              <a:t>18</a:t>
+              <a:t>19</a:t>
             </a:fld>
             <a:endParaRPr lang="en-US"/>
           </a:p>
@@ -20097,7 +20101,7 @@
           <a:p>
             <a:fld id="{4CBCEA92-F142-4D57-B507-37BDAF44710C}" type="slidenum">
               <a:rPr lang="en-US" smtClean="0"/>
-              <a:t>19</a:t>
+              <a:t>20</a:t>
             </a:fld>
             <a:endParaRPr lang="en-US"/>
           </a:p>
@@ -20198,7 +20202,7 @@
           <a:p>
             <a:fld id="{4CBCEA92-F142-4D57-B507-37BDAF44710C}" type="slidenum">
               <a:rPr lang="en-US" smtClean="0"/>
-              <a:t>23</a:t>
+              <a:t>25</a:t>
             </a:fld>
             <a:endParaRPr lang="en-US"/>
           </a:p>
@@ -21556,48 +21560,6 @@
       </p:sp>
       <p:sp>
         <p:nvSpPr>
-          <p:cNvPr id="3" name="TextBox 2">
-            <a:extLst>
-              <a:ext uri="{FF2B5EF4-FFF2-40B4-BE49-F238E27FC236}">
-                <a16:creationId xmlns:a16="http://schemas.microsoft.com/office/drawing/2014/main" id="{981CDE0C-DF41-4692-A67B-F629FE20225D}"/>
-              </a:ext>
-            </a:extLst>
-          </p:cNvPr>
-          <p:cNvSpPr txBox="1"/>
-          <p:nvPr/>
-        </p:nvSpPr>
-        <p:spPr>
-          <a:xfrm>
-            <a:off x="633985" y="1536192"/>
-            <a:ext cx="5031092" cy="716030"/>
-          </a:xfrm>
-          <a:prstGeom prst="rect">
-            <a:avLst/>
-          </a:prstGeom>
-          <a:noFill/>
-        </p:spPr>
-        <p:txBody>
-          <a:bodyPr wrap="square" rtlCol="0">
-            <a:spAutoFit/>
-          </a:bodyPr>
-          <a:lstStyle/>
-          <a:p>
-            <a:pPr marL="342900" indent="-342900">
-              <a:lnSpc>
-                <a:spcPct val="200000"/>
-              </a:lnSpc>
-              <a:buFont typeface="Arial" panose="020B0604020202020204" pitchFamily="34" charset="0"/>
-              <a:buChar char="•"/>
-            </a:pPr>
-            <a:r>
-              <a:rPr lang="pt-BR" sz="2400" dirty="0"/>
-              <a:t>Verificar</a:t>
-            </a:r>
-          </a:p>
-        </p:txBody>
-      </p:sp>
-      <p:sp>
-        <p:nvSpPr>
           <p:cNvPr id="5" name="Rectangle 4">
             <a:extLst>
               <a:ext uri="{FF2B5EF4-FFF2-40B4-BE49-F238E27FC236}">
@@ -21610,8 +21572,8 @@
         </p:nvSpPr>
         <p:spPr>
           <a:xfrm>
-            <a:off x="5896303" y="1198179"/>
-            <a:ext cx="6148552" cy="5528442"/>
+            <a:off x="6095999" y="1198179"/>
+            <a:ext cx="5948855" cy="5528442"/>
           </a:xfrm>
           <a:prstGeom prst="rect">
             <a:avLst/>
@@ -21648,10 +21610,131 @@
           </a:p>
         </p:txBody>
       </p:sp>
+      <p:pic>
+        <p:nvPicPr>
+          <p:cNvPr id="4" name="Picture 3">
+            <a:extLst>
+              <a:ext uri="{FF2B5EF4-FFF2-40B4-BE49-F238E27FC236}">
+                <a16:creationId xmlns:a16="http://schemas.microsoft.com/office/drawing/2014/main" id="{7117670A-2E9F-4C66-AF4C-FF1200011AB1}"/>
+              </a:ext>
+            </a:extLst>
+          </p:cNvPr>
+          <p:cNvPicPr>
+            <a:picLocks noChangeAspect="1"/>
+          </p:cNvPicPr>
+          <p:nvPr/>
+        </p:nvPicPr>
+        <p:blipFill rotWithShape="1">
+          <a:blip r:embed="rId2"/>
+          <a:srcRect r="9988" b="4511"/>
+          <a:stretch/>
+        </p:blipFill>
+        <p:spPr>
+          <a:xfrm>
+            <a:off x="6318288" y="1422421"/>
+            <a:ext cx="5504276" cy="5066061"/>
+          </a:xfrm>
+          <a:prstGeom prst="rect">
+            <a:avLst/>
+          </a:prstGeom>
+        </p:spPr>
+      </p:pic>
+      <p:sp>
+        <p:nvSpPr>
+          <p:cNvPr id="7" name="TextBox 6">
+            <a:extLst>
+              <a:ext uri="{FF2B5EF4-FFF2-40B4-BE49-F238E27FC236}">
+                <a16:creationId xmlns:a16="http://schemas.microsoft.com/office/drawing/2014/main" id="{1D2A089B-5ACA-44FE-964B-FBEE220DD63D}"/>
+              </a:ext>
+            </a:extLst>
+          </p:cNvPr>
+          <p:cNvSpPr txBox="1"/>
+          <p:nvPr/>
+        </p:nvSpPr>
+        <p:spPr>
+          <a:xfrm>
+            <a:off x="633985" y="1536192"/>
+            <a:ext cx="5031092" cy="3670685"/>
+          </a:xfrm>
+          <a:prstGeom prst="rect">
+            <a:avLst/>
+          </a:prstGeom>
+          <a:noFill/>
+        </p:spPr>
+        <p:txBody>
+          <a:bodyPr wrap="square" rtlCol="0">
+            <a:spAutoFit/>
+          </a:bodyPr>
+          <a:lstStyle/>
+          <a:p>
+            <a:pPr marL="342900" indent="-342900">
+              <a:lnSpc>
+                <a:spcPct val="200000"/>
+              </a:lnSpc>
+              <a:buFont typeface="Arial" panose="020B0604020202020204" pitchFamily="34" charset="0"/>
+              <a:buChar char="•"/>
+            </a:pPr>
+            <a:r>
+              <a:rPr lang="pt-BR" sz="2400" dirty="0"/>
+              <a:t>Podemos habilitar, desabilitar, modificar ou incluir uma regra</a:t>
+            </a:r>
+          </a:p>
+          <a:p>
+            <a:pPr marL="342900" indent="-342900">
+              <a:lnSpc>
+                <a:spcPct val="200000"/>
+              </a:lnSpc>
+              <a:buFont typeface="Arial" panose="020B0604020202020204" pitchFamily="34" charset="0"/>
+              <a:buChar char="•"/>
+            </a:pPr>
+            <a:r>
+              <a:rPr lang="pt-BR" sz="2400" dirty="0"/>
+              <a:t>Por default a análise do código é exibida como </a:t>
+            </a:r>
+            <a:r>
+              <a:rPr lang="pt-BR" sz="2400" i="1" dirty="0"/>
+              <a:t>Warning</a:t>
+            </a:r>
+            <a:r>
+              <a:rPr lang="pt-BR" sz="2400" dirty="0"/>
+              <a:t> na janela de erros do projeto</a:t>
+            </a:r>
+          </a:p>
+        </p:txBody>
+      </p:sp>
+      <p:pic>
+        <p:nvPicPr>
+          <p:cNvPr id="3" name="Picture 2">
+            <a:extLst>
+              <a:ext uri="{FF2B5EF4-FFF2-40B4-BE49-F238E27FC236}">
+                <a16:creationId xmlns:a16="http://schemas.microsoft.com/office/drawing/2014/main" id="{5203740C-9565-484D-8128-B440CFDB8486}"/>
+              </a:ext>
+            </a:extLst>
+          </p:cNvPr>
+          <p:cNvPicPr>
+            <a:picLocks noChangeAspect="1"/>
+          </p:cNvPicPr>
+          <p:nvPr/>
+        </p:nvPicPr>
+        <p:blipFill rotWithShape="1">
+          <a:blip r:embed="rId3"/>
+          <a:srcRect r="8852"/>
+          <a:stretch/>
+        </p:blipFill>
+        <p:spPr>
+          <a:xfrm>
+            <a:off x="369436" y="5555032"/>
+            <a:ext cx="5504273" cy="933450"/>
+          </a:xfrm>
+          <a:prstGeom prst="rect">
+            <a:avLst/>
+          </a:prstGeom>
+        </p:spPr>
+      </p:pic>
     </p:spTree>
     <p:extLst>
       <p:ext uri="{BB962C8B-B14F-4D97-AF65-F5344CB8AC3E}">
-        <p14:creationId xmlns:p14="http://schemas.microsoft.com/office/powerpoint/2010/main" val="1324118576"/>
+        <p14:creationId xmlns:p14="http://schemas.microsoft.com/office/powerpoint/2010/main" val="2977638635"/>
       </p:ext>
     </p:extLst>
   </p:cSld>
@@ -22429,6 +22512,169 @@
             </a:r>
             <a:r>
               <a:rPr lang="pt-BR" dirty="0"/>
+              <a:t> | Intellitrace</a:t>
+            </a:r>
+          </a:p>
+        </p:txBody>
+      </p:sp>
+      <p:sp>
+        <p:nvSpPr>
+          <p:cNvPr id="4" name="TextBox 3">
+            <a:extLst>
+              <a:ext uri="{FF2B5EF4-FFF2-40B4-BE49-F238E27FC236}">
+                <a16:creationId xmlns:a16="http://schemas.microsoft.com/office/drawing/2014/main" id="{17AEBAAD-B7EB-4E91-A30C-364601FCBE8D}"/>
+              </a:ext>
+            </a:extLst>
+          </p:cNvPr>
+          <p:cNvSpPr txBox="1"/>
+          <p:nvPr/>
+        </p:nvSpPr>
+        <p:spPr>
+          <a:xfrm>
+            <a:off x="633985" y="1536192"/>
+            <a:ext cx="5031092" cy="1454694"/>
+          </a:xfrm>
+          <a:prstGeom prst="rect">
+            <a:avLst/>
+          </a:prstGeom>
+          <a:noFill/>
+        </p:spPr>
+        <p:txBody>
+          <a:bodyPr wrap="square" rtlCol="0">
+            <a:spAutoFit/>
+          </a:bodyPr>
+          <a:lstStyle/>
+          <a:p>
+            <a:pPr marL="342900" indent="-342900">
+              <a:lnSpc>
+                <a:spcPct val="200000"/>
+              </a:lnSpc>
+              <a:buFont typeface="Arial" panose="020B0604020202020204" pitchFamily="34" charset="0"/>
+              <a:buChar char="•"/>
+            </a:pPr>
+            <a:r>
+              <a:rPr lang="pt-BR" sz="2400" dirty="0"/>
+              <a:t>Passos da depuração de seu código com snapshots</a:t>
+            </a:r>
+          </a:p>
+        </p:txBody>
+      </p:sp>
+      <p:sp>
+        <p:nvSpPr>
+          <p:cNvPr id="5" name="Rectangle 4">
+            <a:extLst>
+              <a:ext uri="{FF2B5EF4-FFF2-40B4-BE49-F238E27FC236}">
+                <a16:creationId xmlns:a16="http://schemas.microsoft.com/office/drawing/2014/main" id="{C345FB4E-27C5-4435-8065-7C5277153AE2}"/>
+              </a:ext>
+            </a:extLst>
+          </p:cNvPr>
+          <p:cNvSpPr/>
+          <p:nvPr/>
+        </p:nvSpPr>
+        <p:spPr>
+          <a:xfrm>
+            <a:off x="5896303" y="1198179"/>
+            <a:ext cx="6148552" cy="5528442"/>
+          </a:xfrm>
+          <a:prstGeom prst="rect">
+            <a:avLst/>
+          </a:prstGeom>
+          <a:noFill/>
+          <a:ln w="101600">
+            <a:solidFill>
+              <a:srgbClr val="EFF1F3"/>
+            </a:solidFill>
+          </a:ln>
+        </p:spPr>
+        <p:style>
+          <a:lnRef idx="2">
+            <a:schemeClr val="accent1">
+              <a:shade val="50000"/>
+            </a:schemeClr>
+          </a:lnRef>
+          <a:fillRef idx="1">
+            <a:schemeClr val="accent1"/>
+          </a:fillRef>
+          <a:effectRef idx="0">
+            <a:schemeClr val="accent1"/>
+          </a:effectRef>
+          <a:fontRef idx="minor">
+            <a:schemeClr val="lt1"/>
+          </a:fontRef>
+        </p:style>
+        <p:txBody>
+          <a:bodyPr rtlCol="0" anchor="ctr"/>
+          <a:lstStyle/>
+          <a:p>
+            <a:pPr algn="ctr"/>
+            <a:endParaRPr lang="pt-BR"/>
+          </a:p>
+        </p:txBody>
+      </p:sp>
+    </p:spTree>
+    <p:extLst>
+      <p:ext uri="{BB962C8B-B14F-4D97-AF65-F5344CB8AC3E}">
+        <p14:creationId xmlns:p14="http://schemas.microsoft.com/office/powerpoint/2010/main" val="2845973622"/>
+      </p:ext>
+    </p:extLst>
+  </p:cSld>
+  <p:clrMapOvr>
+    <a:masterClrMapping/>
+  </p:clrMapOvr>
+  <p:transition>
+    <p:fade/>
+  </p:transition>
+</p:sld>
+</file>
+
+<file path=ppt/slides/slide16.xml><?xml version="1.0" encoding="utf-8"?>
+<p:sld xmlns:a="http://schemas.openxmlformats.org/drawingml/2006/main" xmlns:r="http://schemas.openxmlformats.org/officeDocument/2006/relationships" xmlns:p="http://schemas.openxmlformats.org/presentationml/2006/main">
+  <p:cSld>
+    <p:spTree>
+      <p:nvGrpSpPr>
+        <p:cNvPr id="1" name=""/>
+        <p:cNvGrpSpPr/>
+        <p:nvPr/>
+      </p:nvGrpSpPr>
+      <p:grpSpPr>
+        <a:xfrm>
+          <a:off x="0" y="0"/>
+          <a:ext cx="0" cy="0"/>
+          <a:chOff x="0" y="0"/>
+          <a:chExt cx="0" cy="0"/>
+        </a:xfrm>
+      </p:grpSpPr>
+      <p:sp>
+        <p:nvSpPr>
+          <p:cNvPr id="2" name="Title 1">
+            <a:extLst>
+              <a:ext uri="{FF2B5EF4-FFF2-40B4-BE49-F238E27FC236}">
+                <a16:creationId xmlns:a16="http://schemas.microsoft.com/office/drawing/2014/main" id="{C42D4857-2B1A-4106-A28C-0BA9F6226F46}"/>
+              </a:ext>
+            </a:extLst>
+          </p:cNvPr>
+          <p:cNvSpPr>
+            <a:spLocks noGrp="1"/>
+          </p:cNvSpPr>
+          <p:nvPr>
+            <p:ph type="title"/>
+          </p:nvPr>
+        </p:nvSpPr>
+        <p:spPr/>
+        <p:txBody>
+          <a:bodyPr/>
+          <a:lstStyle/>
+          <a:p>
+            <a:r>
+              <a:rPr lang="pt-BR" dirty="0">
+                <a:solidFill>
+                  <a:srgbClr val="92D050"/>
+                </a:solidFill>
+              </a:rPr>
+              <a:t>Ferramentas</a:t>
+            </a:r>
+            <a:r>
+              <a:rPr lang="pt-BR" dirty="0"/>
               <a:t> | SonarQube</a:t>
             </a:r>
           </a:p>
@@ -22622,7 +22868,7 @@
 </p:sld>
 </file>
 
-<file path=ppt/slides/slide16.xml><?xml version="1.0" encoding="utf-8"?>
+<file path=ppt/slides/slide17.xml><?xml version="1.0" encoding="utf-8"?>
 <p:sld xmlns:a="http://schemas.openxmlformats.org/drawingml/2006/main" xmlns:r="http://schemas.openxmlformats.org/officeDocument/2006/relationships" xmlns:p="http://schemas.openxmlformats.org/presentationml/2006/main">
   <p:cSld>
     <p:spTree>
@@ -22785,7 +23031,7 @@
 </p:sld>
 </file>
 
-<file path=ppt/slides/slide17.xml><?xml version="1.0" encoding="utf-8"?>
+<file path=ppt/slides/slide18.xml><?xml version="1.0" encoding="utf-8"?>
 <p:sld xmlns:a="http://schemas.openxmlformats.org/drawingml/2006/main" xmlns:r="http://schemas.openxmlformats.org/officeDocument/2006/relationships" xmlns:p="http://schemas.openxmlformats.org/presentationml/2006/main">
   <p:cSld>
     <p:spTree>
@@ -23854,7 +24100,7 @@
             <a:fld id="{5AE1514C-5E56-4738-A1FF-4B1CFD2A3E36}" type="slidenum">
               <a:rPr lang="en-US" smtClean="0"/>
               <a:pPr/>
-              <a:t>17</a:t>
+              <a:t>18</a:t>
             </a:fld>
             <a:endParaRPr lang="en-US"/>
           </a:p>
@@ -25352,7 +25598,7 @@
 </p:sld>
 </file>
 
-<file path=ppt/slides/slide18.xml><?xml version="1.0" encoding="utf-8"?>
+<file path=ppt/slides/slide19.xml><?xml version="1.0" encoding="utf-8"?>
 <p:sld xmlns:a="http://schemas.openxmlformats.org/drawingml/2006/main" xmlns:r="http://schemas.openxmlformats.org/officeDocument/2006/relationships" xmlns:p="http://schemas.openxmlformats.org/presentationml/2006/main">
   <p:cSld>
     <p:spTree>
@@ -26282,7 +26528,7 @@
           <a:p>
             <a:fld id="{5AE1514C-5E56-4738-A1FF-4B1CFD2A3E36}" type="slidenum">
               <a:rPr lang="en-US" smtClean="0"/>
-              <a:t>18</a:t>
+              <a:t>19</a:t>
             </a:fld>
             <a:endParaRPr lang="en-US"/>
           </a:p>
@@ -34123,7 +34369,1037 @@
 </p:sld>
 </file>
 
-<file path=ppt/slides/slide19.xml><?xml version="1.0" encoding="utf-8"?>
+<file path=ppt/slides/slide2.xml><?xml version="1.0" encoding="utf-8"?>
+<p:sld xmlns:a="http://schemas.openxmlformats.org/drawingml/2006/main" xmlns:r="http://schemas.openxmlformats.org/officeDocument/2006/relationships" xmlns:p="http://schemas.openxmlformats.org/presentationml/2006/main">
+  <p:cSld>
+    <p:bg>
+      <p:bgPr>
+        <a:solidFill>
+          <a:schemeClr val="accent2"/>
+        </a:solidFill>
+        <a:effectLst/>
+      </p:bgPr>
+    </p:bg>
+    <p:spTree>
+      <p:nvGrpSpPr>
+        <p:cNvPr id="1" name=""/>
+        <p:cNvGrpSpPr/>
+        <p:nvPr/>
+      </p:nvGrpSpPr>
+      <p:grpSpPr>
+        <a:xfrm>
+          <a:off x="0" y="0"/>
+          <a:ext cx="0" cy="0"/>
+          <a:chOff x="0" y="0"/>
+          <a:chExt cx="0" cy="0"/>
+        </a:xfrm>
+      </p:grpSpPr>
+      <p:sp>
+        <p:nvSpPr>
+          <p:cNvPr id="4" name="Rectangle 3">
+            <a:extLst>
+              <a:ext uri="{FF2B5EF4-FFF2-40B4-BE49-F238E27FC236}">
+                <a16:creationId xmlns:a16="http://schemas.microsoft.com/office/drawing/2014/main" id="{B79D9361-D212-4CD0-9393-4E403F278B45}"/>
+              </a:ext>
+            </a:extLst>
+          </p:cNvPr>
+          <p:cNvSpPr/>
+          <p:nvPr/>
+        </p:nvSpPr>
+        <p:spPr>
+          <a:xfrm>
+            <a:off x="6954424" y="1336378"/>
+            <a:ext cx="3642055" cy="1301318"/>
+          </a:xfrm>
+          <a:prstGeom prst="rect">
+            <a:avLst/>
+          </a:prstGeom>
+          <a:noFill/>
+          <a:ln w="3175">
+            <a:noFill/>
+          </a:ln>
+        </p:spPr>
+        <p:style>
+          <a:lnRef idx="2">
+            <a:schemeClr val="accent1">
+              <a:shade val="50000"/>
+            </a:schemeClr>
+          </a:lnRef>
+          <a:fillRef idx="1">
+            <a:schemeClr val="accent1"/>
+          </a:fillRef>
+          <a:effectRef idx="0">
+            <a:schemeClr val="accent1"/>
+          </a:effectRef>
+          <a:fontRef idx="minor">
+            <a:schemeClr val="lt1"/>
+          </a:fontRef>
+        </p:style>
+        <p:txBody>
+          <a:bodyPr rtlCol="0" anchor="ctr"/>
+          <a:lstStyle/>
+          <a:p>
+            <a:pPr marL="0" marR="0" lvl="0" indent="0" algn="ctr" defTabSz="914400" rtl="0" eaLnBrk="1" fontAlgn="auto" latinLnBrk="0" hangingPunct="1">
+              <a:lnSpc>
+                <a:spcPct val="100000"/>
+              </a:lnSpc>
+              <a:spcBef>
+                <a:spcPts val="0"/>
+              </a:spcBef>
+              <a:spcAft>
+                <a:spcPts val="0"/>
+              </a:spcAft>
+              <a:buClrTx/>
+              <a:buSzTx/>
+              <a:buFontTx/>
+              <a:buNone/>
+              <a:tabLst/>
+              <a:defRPr/>
+            </a:pPr>
+            <a:endParaRPr kumimoji="0" lang="en-US" sz="1800" b="0" i="0" u="none" strike="noStrike" kern="1200" cap="none" spc="0" normalizeH="0" baseline="0" noProof="0" dirty="0">
+              <a:ln>
+                <a:noFill/>
+              </a:ln>
+              <a:solidFill>
+                <a:srgbClr val="FFFFFF"/>
+              </a:solidFill>
+              <a:effectLst/>
+              <a:uLnTx/>
+              <a:uFillTx/>
+              <a:latin typeface="Segoe UI"/>
+              <a:ea typeface="+mn-ea"/>
+              <a:cs typeface="+mn-cs"/>
+            </a:endParaRPr>
+          </a:p>
+        </p:txBody>
+      </p:sp>
+      <p:graphicFrame>
+        <p:nvGraphicFramePr>
+          <p:cNvPr id="8" name="Chart 7">
+            <a:extLst>
+              <a:ext uri="{FF2B5EF4-FFF2-40B4-BE49-F238E27FC236}">
+                <a16:creationId xmlns:a16="http://schemas.microsoft.com/office/drawing/2014/main" id="{9A1EE16E-F02E-4504-8A88-19B6BF917262}"/>
+              </a:ext>
+            </a:extLst>
+          </p:cNvPr>
+          <p:cNvGraphicFramePr/>
+          <p:nvPr>
+            <p:extLst>
+              <p:ext uri="{D42A27DB-BD31-4B8C-83A1-F6EECF244321}">
+                <p14:modId xmlns:p14="http://schemas.microsoft.com/office/powerpoint/2010/main" val="332300794"/>
+              </p:ext>
+            </p:extLst>
+          </p:nvPr>
+        </p:nvGraphicFramePr>
+        <p:xfrm>
+          <a:off x="3494994" y="3535743"/>
+          <a:ext cx="4343069" cy="2310270"/>
+        </p:xfrm>
+        <a:graphic>
+          <a:graphicData uri="http://schemas.openxmlformats.org/drawingml/2006/chart">
+            <c:chart xmlns:c="http://schemas.openxmlformats.org/drawingml/2006/chart" xmlns:r="http://schemas.openxmlformats.org/officeDocument/2006/relationships" r:id="rId3"/>
+          </a:graphicData>
+        </a:graphic>
+      </p:graphicFrame>
+      <p:sp>
+        <p:nvSpPr>
+          <p:cNvPr id="5" name="TextBox 4">
+            <a:extLst>
+              <a:ext uri="{FF2B5EF4-FFF2-40B4-BE49-F238E27FC236}">
+                <a16:creationId xmlns:a16="http://schemas.microsoft.com/office/drawing/2014/main" id="{DA61607C-0E63-4B28-8C17-EF19EF25D97C}"/>
+              </a:ext>
+            </a:extLst>
+          </p:cNvPr>
+          <p:cNvSpPr txBox="1"/>
+          <p:nvPr/>
+        </p:nvSpPr>
+        <p:spPr>
+          <a:xfrm>
+            <a:off x="4467957" y="2637696"/>
+            <a:ext cx="3465040" cy="646331"/>
+          </a:xfrm>
+          <a:prstGeom prst="rect">
+            <a:avLst/>
+          </a:prstGeom>
+          <a:noFill/>
+        </p:spPr>
+        <p:txBody>
+          <a:bodyPr wrap="square" rtlCol="0">
+            <a:spAutoFit/>
+          </a:bodyPr>
+          <a:lstStyle/>
+          <a:p>
+            <a:pPr marL="0" marR="0" lvl="0" indent="0" algn="l" defTabSz="914400" rtl="0" eaLnBrk="1" fontAlgn="auto" latinLnBrk="0" hangingPunct="1">
+              <a:lnSpc>
+                <a:spcPct val="100000"/>
+              </a:lnSpc>
+              <a:spcBef>
+                <a:spcPts val="0"/>
+              </a:spcBef>
+              <a:spcAft>
+                <a:spcPts val="0"/>
+              </a:spcAft>
+              <a:buClrTx/>
+              <a:buSzTx/>
+              <a:buFontTx/>
+              <a:buNone/>
+              <a:tabLst/>
+              <a:defRPr/>
+            </a:pPr>
+            <a:r>
+              <a:rPr kumimoji="0" lang="en-US" sz="1800" b="0" i="0" u="none" strike="noStrike" kern="1200" cap="none" spc="0" normalizeH="0" baseline="0" noProof="0" dirty="0" err="1">
+                <a:ln>
+                  <a:noFill/>
+                </a:ln>
+                <a:effectLst/>
+                <a:uLnTx/>
+                <a:uFillTx/>
+                <a:latin typeface="Segoe UI"/>
+                <a:ea typeface="+mn-ea"/>
+                <a:cs typeface="+mn-cs"/>
+              </a:rPr>
+              <a:t>Melhorando</a:t>
+            </a:r>
+            <a:r>
+              <a:rPr kumimoji="0" lang="en-US" sz="1800" b="0" i="0" u="none" strike="noStrike" kern="1200" cap="none" spc="0" normalizeH="0" baseline="0" noProof="0" dirty="0">
+                <a:ln>
+                  <a:noFill/>
+                </a:ln>
+                <a:effectLst/>
+                <a:uLnTx/>
+                <a:uFillTx/>
+                <a:latin typeface="Segoe UI"/>
+                <a:ea typeface="+mn-ea"/>
+                <a:cs typeface="+mn-cs"/>
+              </a:rPr>
+              <a:t> a </a:t>
+            </a:r>
+            <a:r>
+              <a:rPr kumimoji="0" lang="en-US" sz="1800" b="0" i="0" u="none" strike="noStrike" kern="1200" cap="none" spc="0" normalizeH="0" baseline="0" noProof="0" dirty="0" err="1">
+                <a:ln>
+                  <a:noFill/>
+                </a:ln>
+                <a:effectLst/>
+                <a:uLnTx/>
+                <a:uFillTx/>
+                <a:latin typeface="Segoe UI"/>
+                <a:ea typeface="+mn-ea"/>
+                <a:cs typeface="+mn-cs"/>
+              </a:rPr>
+              <a:t>qualidade</a:t>
+            </a:r>
+            <a:r>
+              <a:rPr kumimoji="0" lang="en-US" sz="1800" b="0" i="0" u="none" strike="noStrike" kern="1200" cap="none" spc="0" normalizeH="0" baseline="0" noProof="0" dirty="0">
+                <a:ln>
+                  <a:noFill/>
+                </a:ln>
+                <a:effectLst/>
+                <a:uLnTx/>
+                <a:uFillTx/>
+                <a:latin typeface="Segoe UI"/>
+                <a:ea typeface="+mn-ea"/>
+                <a:cs typeface="+mn-cs"/>
+              </a:rPr>
+              <a:t> do </a:t>
+            </a:r>
+            <a:r>
+              <a:rPr kumimoji="0" lang="en-US" sz="1800" b="0" i="0" u="none" strike="noStrike" kern="1200" cap="none" spc="0" normalizeH="0" baseline="0" noProof="0" dirty="0" err="1">
+                <a:ln>
+                  <a:noFill/>
+                </a:ln>
+                <a:effectLst/>
+                <a:uLnTx/>
+                <a:uFillTx/>
+                <a:latin typeface="Segoe UI"/>
+                <a:ea typeface="+mn-ea"/>
+                <a:cs typeface="+mn-cs"/>
+              </a:rPr>
+              <a:t>seu</a:t>
+            </a:r>
+            <a:r>
+              <a:rPr kumimoji="0" lang="en-US" sz="1800" b="0" i="0" u="none" strike="noStrike" kern="1200" cap="none" spc="0" normalizeH="0" baseline="0" noProof="0" dirty="0">
+                <a:ln>
+                  <a:noFill/>
+                </a:ln>
+                <a:effectLst/>
+                <a:uLnTx/>
+                <a:uFillTx/>
+                <a:latin typeface="Segoe UI"/>
+                <a:ea typeface="+mn-ea"/>
+                <a:cs typeface="+mn-cs"/>
+              </a:rPr>
+              <a:t> </a:t>
+            </a:r>
+            <a:r>
+              <a:rPr kumimoji="0" lang="en-US" sz="1800" b="0" i="0" u="none" strike="noStrike" kern="1200" cap="none" spc="0" normalizeH="0" baseline="0" noProof="0" dirty="0" err="1">
+                <a:ln>
+                  <a:noFill/>
+                </a:ln>
+                <a:effectLst/>
+                <a:uLnTx/>
+                <a:uFillTx/>
+                <a:latin typeface="Segoe UI"/>
+                <a:ea typeface="+mn-ea"/>
+                <a:cs typeface="+mn-cs"/>
+              </a:rPr>
+              <a:t>código</a:t>
+            </a:r>
+            <a:r>
+              <a:rPr kumimoji="0" lang="en-US" sz="1800" b="0" i="0" u="none" strike="noStrike" kern="1200" cap="none" spc="0" normalizeH="0" baseline="0" noProof="0" dirty="0">
+                <a:ln>
+                  <a:noFill/>
+                </a:ln>
+                <a:effectLst/>
+                <a:uLnTx/>
+                <a:uFillTx/>
+                <a:latin typeface="Segoe UI"/>
+                <a:ea typeface="+mn-ea"/>
+                <a:cs typeface="+mn-cs"/>
+              </a:rPr>
+              <a:t> com Visual Studio 2017.</a:t>
+            </a:r>
+          </a:p>
+        </p:txBody>
+      </p:sp>
+      <p:graphicFrame>
+        <p:nvGraphicFramePr>
+          <p:cNvPr id="29" name="Chart 28">
+            <a:extLst>
+              <a:ext uri="{FF2B5EF4-FFF2-40B4-BE49-F238E27FC236}">
+                <a16:creationId xmlns:a16="http://schemas.microsoft.com/office/drawing/2014/main" id="{63804109-C9E0-4E1E-8F26-B4B0157422EF}"/>
+              </a:ext>
+            </a:extLst>
+          </p:cNvPr>
+          <p:cNvGraphicFramePr/>
+          <p:nvPr>
+            <p:extLst>
+              <p:ext uri="{D42A27DB-BD31-4B8C-83A1-F6EECF244321}">
+                <p14:modId xmlns:p14="http://schemas.microsoft.com/office/powerpoint/2010/main" val="2249203645"/>
+              </p:ext>
+            </p:extLst>
+          </p:nvPr>
+        </p:nvGraphicFramePr>
+        <p:xfrm>
+          <a:off x="8026685" y="2342327"/>
+          <a:ext cx="3338859" cy="3289212"/>
+        </p:xfrm>
+        <a:graphic>
+          <a:graphicData uri="http://schemas.openxmlformats.org/drawingml/2006/chart">
+            <c:chart xmlns:c="http://schemas.openxmlformats.org/drawingml/2006/chart" xmlns:r="http://schemas.openxmlformats.org/officeDocument/2006/relationships" r:id="rId4"/>
+          </a:graphicData>
+        </a:graphic>
+      </p:graphicFrame>
+      <p:sp>
+        <p:nvSpPr>
+          <p:cNvPr id="28" name="Freeform 127">
+            <a:extLst>
+              <a:ext uri="{FF2B5EF4-FFF2-40B4-BE49-F238E27FC236}">
+                <a16:creationId xmlns:a16="http://schemas.microsoft.com/office/drawing/2014/main" id="{D9D370F5-DAB2-4387-B86E-127EE7668D3B}"/>
+              </a:ext>
+            </a:extLst>
+          </p:cNvPr>
+          <p:cNvSpPr>
+            <a:spLocks noChangeAspect="1"/>
+          </p:cNvSpPr>
+          <p:nvPr/>
+        </p:nvSpPr>
+        <p:spPr bwMode="black">
+          <a:xfrm>
+            <a:off x="7932997" y="3800770"/>
+            <a:ext cx="2326273" cy="1830769"/>
+          </a:xfrm>
+          <a:custGeom>
+            <a:avLst/>
+            <a:gdLst>
+              <a:gd name="connsiteX0" fmla="*/ 427036 w 1971675"/>
+              <a:gd name="connsiteY0" fmla="*/ 1374775 h 1409700"/>
+              <a:gd name="connsiteX1" fmla="*/ 1544636 w 1971675"/>
+              <a:gd name="connsiteY1" fmla="*/ 1374775 h 1409700"/>
+              <a:gd name="connsiteX2" fmla="*/ 1544636 w 1971675"/>
+              <a:gd name="connsiteY2" fmla="*/ 1409700 h 1409700"/>
+              <a:gd name="connsiteX3" fmla="*/ 427036 w 1971675"/>
+              <a:gd name="connsiteY3" fmla="*/ 1409700 h 1409700"/>
+              <a:gd name="connsiteX4" fmla="*/ 104775 w 1971675"/>
+              <a:gd name="connsiteY4" fmla="*/ 104775 h 1409700"/>
+              <a:gd name="connsiteX5" fmla="*/ 104775 w 1971675"/>
+              <a:gd name="connsiteY5" fmla="*/ 1028700 h 1409700"/>
+              <a:gd name="connsiteX6" fmla="*/ 761999 w 1971675"/>
+              <a:gd name="connsiteY6" fmla="*/ 1028700 h 1409700"/>
+              <a:gd name="connsiteX7" fmla="*/ 1198562 w 1971675"/>
+              <a:gd name="connsiteY7" fmla="*/ 1028700 h 1409700"/>
+              <a:gd name="connsiteX8" fmla="*/ 1879600 w 1971675"/>
+              <a:gd name="connsiteY8" fmla="*/ 1028700 h 1409700"/>
+              <a:gd name="connsiteX9" fmla="*/ 1879600 w 1971675"/>
+              <a:gd name="connsiteY9" fmla="*/ 104775 h 1409700"/>
+              <a:gd name="connsiteX10" fmla="*/ 985837 w 1971675"/>
+              <a:gd name="connsiteY10" fmla="*/ 23812 h 1409700"/>
+              <a:gd name="connsiteX11" fmla="*/ 957262 w 1971675"/>
+              <a:gd name="connsiteY11" fmla="*/ 46831 h 1409700"/>
+              <a:gd name="connsiteX12" fmla="*/ 985837 w 1971675"/>
+              <a:gd name="connsiteY12" fmla="*/ 69850 h 1409700"/>
+              <a:gd name="connsiteX13" fmla="*/ 1014412 w 1971675"/>
+              <a:gd name="connsiteY13" fmla="*/ 46831 h 1409700"/>
+              <a:gd name="connsiteX14" fmla="*/ 985837 w 1971675"/>
+              <a:gd name="connsiteY14" fmla="*/ 23812 h 1409700"/>
+              <a:gd name="connsiteX15" fmla="*/ 103772 w 1971675"/>
+              <a:gd name="connsiteY15" fmla="*/ 0 h 1409700"/>
+              <a:gd name="connsiteX16" fmla="*/ 1856372 w 1971675"/>
+              <a:gd name="connsiteY16" fmla="*/ 0 h 1409700"/>
+              <a:gd name="connsiteX17" fmla="*/ 1971675 w 1971675"/>
+              <a:gd name="connsiteY17" fmla="*/ 103909 h 1409700"/>
+              <a:gd name="connsiteX18" fmla="*/ 1971675 w 1971675"/>
+              <a:gd name="connsiteY18" fmla="*/ 1027546 h 1409700"/>
+              <a:gd name="connsiteX19" fmla="*/ 1856372 w 1971675"/>
+              <a:gd name="connsiteY19" fmla="*/ 1143000 h 1409700"/>
+              <a:gd name="connsiteX20" fmla="*/ 1277877 w 1971675"/>
+              <a:gd name="connsiteY20" fmla="*/ 1143000 h 1409700"/>
+              <a:gd name="connsiteX21" fmla="*/ 1198562 w 1971675"/>
+              <a:gd name="connsiteY21" fmla="*/ 1143000 h 1409700"/>
+              <a:gd name="connsiteX22" fmla="*/ 1198562 w 1971675"/>
+              <a:gd name="connsiteY22" fmla="*/ 1212850 h 1409700"/>
+              <a:gd name="connsiteX23" fmla="*/ 1198562 w 1971675"/>
+              <a:gd name="connsiteY23" fmla="*/ 1258887 h 1409700"/>
+              <a:gd name="connsiteX24" fmla="*/ 1452561 w 1971675"/>
+              <a:gd name="connsiteY24" fmla="*/ 1258887 h 1409700"/>
+              <a:gd name="connsiteX25" fmla="*/ 1544636 w 1971675"/>
+              <a:gd name="connsiteY25" fmla="*/ 1374774 h 1409700"/>
+              <a:gd name="connsiteX26" fmla="*/ 427036 w 1971675"/>
+              <a:gd name="connsiteY26" fmla="*/ 1374774 h 1409700"/>
+              <a:gd name="connsiteX27" fmla="*/ 519111 w 1971675"/>
+              <a:gd name="connsiteY27" fmla="*/ 1258887 h 1409700"/>
+              <a:gd name="connsiteX28" fmla="*/ 761999 w 1971675"/>
+              <a:gd name="connsiteY28" fmla="*/ 1258887 h 1409700"/>
+              <a:gd name="connsiteX29" fmla="*/ 761999 w 1971675"/>
+              <a:gd name="connsiteY29" fmla="*/ 1212850 h 1409700"/>
+              <a:gd name="connsiteX30" fmla="*/ 761999 w 1971675"/>
+              <a:gd name="connsiteY30" fmla="*/ 1143000 h 1409700"/>
+              <a:gd name="connsiteX31" fmla="*/ 673281 w 1971675"/>
+              <a:gd name="connsiteY31" fmla="*/ 1143000 h 1409700"/>
+              <a:gd name="connsiteX32" fmla="*/ 103772 w 1971675"/>
+              <a:gd name="connsiteY32" fmla="*/ 1143000 h 1409700"/>
+              <a:gd name="connsiteX33" fmla="*/ 0 w 1971675"/>
+              <a:gd name="connsiteY33" fmla="*/ 1027546 h 1409700"/>
+              <a:gd name="connsiteX34" fmla="*/ 0 w 1971675"/>
+              <a:gd name="connsiteY34" fmla="*/ 103909 h 1409700"/>
+              <a:gd name="connsiteX35" fmla="*/ 103772 w 1971675"/>
+              <a:gd name="connsiteY35" fmla="*/ 0 h 1409700"/>
+            </a:gdLst>
+            <a:ahLst/>
+            <a:cxnLst>
+              <a:cxn ang="0">
+                <a:pos x="connsiteX0" y="connsiteY0"/>
+              </a:cxn>
+              <a:cxn ang="0">
+                <a:pos x="connsiteX1" y="connsiteY1"/>
+              </a:cxn>
+              <a:cxn ang="0">
+                <a:pos x="connsiteX2" y="connsiteY2"/>
+              </a:cxn>
+              <a:cxn ang="0">
+                <a:pos x="connsiteX3" y="connsiteY3"/>
+              </a:cxn>
+              <a:cxn ang="0">
+                <a:pos x="connsiteX4" y="connsiteY4"/>
+              </a:cxn>
+              <a:cxn ang="0">
+                <a:pos x="connsiteX5" y="connsiteY5"/>
+              </a:cxn>
+              <a:cxn ang="0">
+                <a:pos x="connsiteX6" y="connsiteY6"/>
+              </a:cxn>
+              <a:cxn ang="0">
+                <a:pos x="connsiteX7" y="connsiteY7"/>
+              </a:cxn>
+              <a:cxn ang="0">
+                <a:pos x="connsiteX8" y="connsiteY8"/>
+              </a:cxn>
+              <a:cxn ang="0">
+                <a:pos x="connsiteX9" y="connsiteY9"/>
+              </a:cxn>
+              <a:cxn ang="0">
+                <a:pos x="connsiteX10" y="connsiteY10"/>
+              </a:cxn>
+              <a:cxn ang="0">
+                <a:pos x="connsiteX11" y="connsiteY11"/>
+              </a:cxn>
+              <a:cxn ang="0">
+                <a:pos x="connsiteX12" y="connsiteY12"/>
+              </a:cxn>
+              <a:cxn ang="0">
+                <a:pos x="connsiteX13" y="connsiteY13"/>
+              </a:cxn>
+              <a:cxn ang="0">
+                <a:pos x="connsiteX14" y="connsiteY14"/>
+              </a:cxn>
+              <a:cxn ang="0">
+                <a:pos x="connsiteX15" y="connsiteY15"/>
+              </a:cxn>
+              <a:cxn ang="0">
+                <a:pos x="connsiteX16" y="connsiteY16"/>
+              </a:cxn>
+              <a:cxn ang="0">
+                <a:pos x="connsiteX17" y="connsiteY17"/>
+              </a:cxn>
+              <a:cxn ang="0">
+                <a:pos x="connsiteX18" y="connsiteY18"/>
+              </a:cxn>
+              <a:cxn ang="0">
+                <a:pos x="connsiteX19" y="connsiteY19"/>
+              </a:cxn>
+              <a:cxn ang="0">
+                <a:pos x="connsiteX20" y="connsiteY20"/>
+              </a:cxn>
+              <a:cxn ang="0">
+                <a:pos x="connsiteX21" y="connsiteY21"/>
+              </a:cxn>
+              <a:cxn ang="0">
+                <a:pos x="connsiteX22" y="connsiteY22"/>
+              </a:cxn>
+              <a:cxn ang="0">
+                <a:pos x="connsiteX23" y="connsiteY23"/>
+              </a:cxn>
+              <a:cxn ang="0">
+                <a:pos x="connsiteX24" y="connsiteY24"/>
+              </a:cxn>
+              <a:cxn ang="0">
+                <a:pos x="connsiteX25" y="connsiteY25"/>
+              </a:cxn>
+              <a:cxn ang="0">
+                <a:pos x="connsiteX26" y="connsiteY26"/>
+              </a:cxn>
+              <a:cxn ang="0">
+                <a:pos x="connsiteX27" y="connsiteY27"/>
+              </a:cxn>
+              <a:cxn ang="0">
+                <a:pos x="connsiteX28" y="connsiteY28"/>
+              </a:cxn>
+              <a:cxn ang="0">
+                <a:pos x="connsiteX29" y="connsiteY29"/>
+              </a:cxn>
+              <a:cxn ang="0">
+                <a:pos x="connsiteX30" y="connsiteY30"/>
+              </a:cxn>
+              <a:cxn ang="0">
+                <a:pos x="connsiteX31" y="connsiteY31"/>
+              </a:cxn>
+              <a:cxn ang="0">
+                <a:pos x="connsiteX32" y="connsiteY32"/>
+              </a:cxn>
+              <a:cxn ang="0">
+                <a:pos x="connsiteX33" y="connsiteY33"/>
+              </a:cxn>
+              <a:cxn ang="0">
+                <a:pos x="connsiteX34" y="connsiteY34"/>
+              </a:cxn>
+              <a:cxn ang="0">
+                <a:pos x="connsiteX35" y="connsiteY35"/>
+              </a:cxn>
+            </a:cxnLst>
+            <a:rect l="l" t="t" r="r" b="b"/>
+            <a:pathLst>
+              <a:path w="1971675" h="1409700">
+                <a:moveTo>
+                  <a:pt x="427036" y="1374775"/>
+                </a:moveTo>
+                <a:lnTo>
+                  <a:pt x="1544636" y="1374775"/>
+                </a:lnTo>
+                <a:lnTo>
+                  <a:pt x="1544636" y="1409700"/>
+                </a:lnTo>
+                <a:lnTo>
+                  <a:pt x="427036" y="1409700"/>
+                </a:lnTo>
+                <a:close/>
+                <a:moveTo>
+                  <a:pt x="104775" y="104775"/>
+                </a:moveTo>
+                <a:lnTo>
+                  <a:pt x="104775" y="1028700"/>
+                </a:lnTo>
+                <a:lnTo>
+                  <a:pt x="761999" y="1028700"/>
+                </a:lnTo>
+                <a:lnTo>
+                  <a:pt x="1198562" y="1028700"/>
+                </a:lnTo>
+                <a:lnTo>
+                  <a:pt x="1879600" y="1028700"/>
+                </a:lnTo>
+                <a:lnTo>
+                  <a:pt x="1879600" y="104775"/>
+                </a:lnTo>
+                <a:close/>
+                <a:moveTo>
+                  <a:pt x="985837" y="23812"/>
+                </a:moveTo>
+                <a:cubicBezTo>
+                  <a:pt x="970055" y="23812"/>
+                  <a:pt x="957262" y="34118"/>
+                  <a:pt x="957262" y="46831"/>
+                </a:cubicBezTo>
+                <a:cubicBezTo>
+                  <a:pt x="957262" y="59544"/>
+                  <a:pt x="970055" y="69850"/>
+                  <a:pt x="985837" y="69850"/>
+                </a:cubicBezTo>
+                <a:cubicBezTo>
+                  <a:pt x="1001619" y="69850"/>
+                  <a:pt x="1014412" y="59544"/>
+                  <a:pt x="1014412" y="46831"/>
+                </a:cubicBezTo>
+                <a:cubicBezTo>
+                  <a:pt x="1014412" y="34118"/>
+                  <a:pt x="1001619" y="23812"/>
+                  <a:pt x="985837" y="23812"/>
+                </a:cubicBezTo>
+                <a:close/>
+                <a:moveTo>
+                  <a:pt x="103772" y="0"/>
+                </a:moveTo>
+                <a:cubicBezTo>
+                  <a:pt x="1856372" y="0"/>
+                  <a:pt x="1856372" y="0"/>
+                  <a:pt x="1856372" y="0"/>
+                </a:cubicBezTo>
+                <a:cubicBezTo>
+                  <a:pt x="1925554" y="0"/>
+                  <a:pt x="1971675" y="46182"/>
+                  <a:pt x="1971675" y="103909"/>
+                </a:cubicBezTo>
+                <a:lnTo>
+                  <a:pt x="1971675" y="1027546"/>
+                </a:lnTo>
+                <a:cubicBezTo>
+                  <a:pt x="1971675" y="1085273"/>
+                  <a:pt x="1925554" y="1143000"/>
+                  <a:pt x="1856372" y="1143000"/>
+                </a:cubicBezTo>
+                <a:cubicBezTo>
+                  <a:pt x="1637297" y="1143000"/>
+                  <a:pt x="1445606" y="1143000"/>
+                  <a:pt x="1277877" y="1143000"/>
+                </a:cubicBezTo>
+                <a:lnTo>
+                  <a:pt x="1198562" y="1143000"/>
+                </a:lnTo>
+                <a:lnTo>
+                  <a:pt x="1198562" y="1212850"/>
+                </a:lnTo>
+                <a:lnTo>
+                  <a:pt x="1198562" y="1258887"/>
+                </a:lnTo>
+                <a:lnTo>
+                  <a:pt x="1452561" y="1258887"/>
+                </a:lnTo>
+                <a:lnTo>
+                  <a:pt x="1544636" y="1374774"/>
+                </a:lnTo>
+                <a:lnTo>
+                  <a:pt x="427036" y="1374774"/>
+                </a:lnTo>
+                <a:lnTo>
+                  <a:pt x="519111" y="1258887"/>
+                </a:lnTo>
+                <a:lnTo>
+                  <a:pt x="761999" y="1258887"/>
+                </a:lnTo>
+                <a:lnTo>
+                  <a:pt x="761999" y="1212850"/>
+                </a:lnTo>
+                <a:lnTo>
+                  <a:pt x="761999" y="1143000"/>
+                </a:lnTo>
+                <a:lnTo>
+                  <a:pt x="673281" y="1143000"/>
+                </a:lnTo>
+                <a:cubicBezTo>
+                  <a:pt x="103772" y="1143000"/>
+                  <a:pt x="103772" y="1143000"/>
+                  <a:pt x="103772" y="1143000"/>
+                </a:cubicBezTo>
+                <a:cubicBezTo>
+                  <a:pt x="46121" y="1143000"/>
+                  <a:pt x="0" y="1085273"/>
+                  <a:pt x="0" y="1027546"/>
+                </a:cubicBezTo>
+                <a:cubicBezTo>
+                  <a:pt x="0" y="103909"/>
+                  <a:pt x="0" y="103909"/>
+                  <a:pt x="0" y="103909"/>
+                </a:cubicBezTo>
+                <a:cubicBezTo>
+                  <a:pt x="0" y="46182"/>
+                  <a:pt x="46121" y="0"/>
+                  <a:pt x="103772" y="0"/>
+                </a:cubicBezTo>
+                <a:close/>
+              </a:path>
+            </a:pathLst>
+          </a:custGeom>
+          <a:solidFill>
+            <a:srgbClr val="D9D9D9"/>
+          </a:solidFill>
+          <a:ln>
+            <a:noFill/>
+            <a:headEnd type="none" w="med" len="med"/>
+            <a:tailEnd type="none" w="med" len="med"/>
+          </a:ln>
+          <a:effectLst/>
+          <a:extLst/>
+        </p:spPr>
+        <p:style>
+          <a:lnRef idx="1">
+            <a:schemeClr val="accent2"/>
+          </a:lnRef>
+          <a:fillRef idx="3">
+            <a:schemeClr val="accent2"/>
+          </a:fillRef>
+          <a:effectRef idx="2">
+            <a:schemeClr val="accent2"/>
+          </a:effectRef>
+          <a:fontRef idx="minor">
+            <a:schemeClr val="lt1"/>
+          </a:fontRef>
+        </p:style>
+        <p:txBody>
+          <a:bodyPr rot="0" spcFirstLastPara="0" vertOverflow="overflow" horzOverflow="overflow" vert="horz" wrap="square" lIns="182880" tIns="146304" rIns="182880" bIns="146304" numCol="1" spcCol="0" rtlCol="0" fromWordArt="0" anchor="t" anchorCtr="0" forceAA="0" compatLnSpc="1">
+            <a:prstTxWarp prst="textNoShape">
+              <a:avLst/>
+            </a:prstTxWarp>
+            <a:noAutofit/>
+          </a:bodyPr>
+          <a:lstStyle/>
+          <a:p>
+            <a:pPr algn="ctr" defTabSz="932472" fontAlgn="base">
+              <a:lnSpc>
+                <a:spcPct val="90000"/>
+              </a:lnSpc>
+              <a:spcBef>
+                <a:spcPct val="0"/>
+              </a:spcBef>
+              <a:spcAft>
+                <a:spcPct val="0"/>
+              </a:spcAft>
+            </a:pPr>
+            <a:endParaRPr lang="en-US" sz="2400" dirty="0">
+              <a:gradFill>
+                <a:gsLst>
+                  <a:gs pos="0">
+                    <a:srgbClr val="FFFFFF"/>
+                  </a:gs>
+                  <a:gs pos="100000">
+                    <a:srgbClr val="FFFFFF"/>
+                  </a:gs>
+                </a:gsLst>
+                <a:lin ang="5400000" scaled="0"/>
+              </a:gradFill>
+              <a:ea typeface="Segoe UI" pitchFamily="34" charset="0"/>
+              <a:cs typeface="Segoe UI" pitchFamily="34" charset="0"/>
+            </a:endParaRPr>
+          </a:p>
+        </p:txBody>
+      </p:sp>
+      <p:sp>
+        <p:nvSpPr>
+          <p:cNvPr id="2" name="TextBox 1">
+            <a:extLst>
+              <a:ext uri="{FF2B5EF4-FFF2-40B4-BE49-F238E27FC236}">
+                <a16:creationId xmlns:a16="http://schemas.microsoft.com/office/drawing/2014/main" id="{6BD59475-CD66-4751-83EF-FEC02A44E31A}"/>
+              </a:ext>
+            </a:extLst>
+          </p:cNvPr>
+          <p:cNvSpPr txBox="1"/>
+          <p:nvPr/>
+        </p:nvSpPr>
+        <p:spPr>
+          <a:xfrm>
+            <a:off x="209214" y="2190161"/>
+            <a:ext cx="3555247" cy="1845120"/>
+          </a:xfrm>
+          <a:prstGeom prst="rect">
+            <a:avLst/>
+          </a:prstGeom>
+          <a:noFill/>
+        </p:spPr>
+        <p:txBody>
+          <a:bodyPr wrap="square" rtlCol="0">
+            <a:spAutoFit/>
+          </a:bodyPr>
+          <a:lstStyle/>
+          <a:p>
+            <a:pPr marL="0" marR="0" lvl="0" indent="0" algn="l" defTabSz="914400" rtl="0" eaLnBrk="1" fontAlgn="auto" latinLnBrk="0" hangingPunct="1">
+              <a:lnSpc>
+                <a:spcPct val="85000"/>
+              </a:lnSpc>
+              <a:spcBef>
+                <a:spcPts val="0"/>
+              </a:spcBef>
+              <a:spcAft>
+                <a:spcPts val="0"/>
+              </a:spcAft>
+              <a:buClrTx/>
+              <a:buSzTx/>
+              <a:buFontTx/>
+              <a:buNone/>
+              <a:tabLst/>
+              <a:defRPr/>
+            </a:pPr>
+            <a:r>
+              <a:rPr lang="en-US" sz="3600" b="1" spc="-20" dirty="0">
+                <a:solidFill>
+                  <a:srgbClr val="FFFFFF"/>
+                </a:solidFill>
+                <a:latin typeface="Segoe UI"/>
+              </a:rPr>
+              <a:t>FERRAMENTAS</a:t>
+            </a:r>
+            <a:r>
+              <a:rPr lang="en-US" sz="4800" b="1" spc="-20" dirty="0">
+                <a:solidFill>
+                  <a:srgbClr val="FFFFFF"/>
+                </a:solidFill>
+                <a:latin typeface="Segoe UI"/>
+              </a:rPr>
+              <a:t> </a:t>
+            </a:r>
+            <a:r>
+              <a:rPr lang="en-US" b="1" spc="-20" dirty="0">
+                <a:solidFill>
+                  <a:srgbClr val="FFFFFF"/>
+                </a:solidFill>
+                <a:latin typeface="Segoe UI"/>
+              </a:rPr>
+              <a:t>PARA</a:t>
+            </a:r>
+            <a:r>
+              <a:rPr lang="en-US" sz="4800" b="1" spc="-20" dirty="0">
+                <a:solidFill>
+                  <a:srgbClr val="FFFFFF"/>
+                </a:solidFill>
+                <a:latin typeface="Segoe UI"/>
+              </a:rPr>
+              <a:t> </a:t>
+            </a:r>
+            <a:r>
+              <a:rPr lang="en-US" sz="3500" b="1" spc="-20" dirty="0">
+                <a:solidFill>
+                  <a:srgbClr val="FFFFFF"/>
+                </a:solidFill>
+                <a:latin typeface="Segoe UI"/>
+              </a:rPr>
+              <a:t>QUALIDADE </a:t>
+            </a:r>
+            <a:r>
+              <a:rPr lang="en-US" sz="2400" b="1" spc="-20" dirty="0">
+                <a:solidFill>
+                  <a:srgbClr val="FFFFFF"/>
+                </a:solidFill>
+                <a:latin typeface="Segoe UI"/>
+              </a:rPr>
+              <a:t>E</a:t>
+            </a:r>
+            <a:r>
+              <a:rPr lang="en-US" sz="3500" b="1" spc="-20" dirty="0">
+                <a:solidFill>
+                  <a:srgbClr val="FFFFFF"/>
+                </a:solidFill>
+                <a:latin typeface="Segoe UI"/>
+              </a:rPr>
+              <a:t> </a:t>
+            </a:r>
+            <a:r>
+              <a:rPr lang="en-US" sz="3800" b="1" spc="-20" dirty="0">
+                <a:solidFill>
+                  <a:srgbClr val="FFFFFF"/>
+                </a:solidFill>
+                <a:latin typeface="Segoe UI"/>
+              </a:rPr>
+              <a:t>OTIMIZAÇÃO</a:t>
+            </a:r>
+            <a:endParaRPr kumimoji="0" lang="en-US" sz="3800" b="1" i="0" u="none" strike="noStrike" kern="1200" cap="none" spc="-20" normalizeH="0" baseline="0" noProof="0" dirty="0">
+              <a:ln>
+                <a:noFill/>
+              </a:ln>
+              <a:solidFill>
+                <a:srgbClr val="FFFFFF"/>
+              </a:solidFill>
+              <a:effectLst/>
+              <a:uLnTx/>
+              <a:uFillTx/>
+              <a:latin typeface="Segoe UI"/>
+              <a:ea typeface="+mn-ea"/>
+              <a:cs typeface="+mn-cs"/>
+            </a:endParaRPr>
+          </a:p>
+        </p:txBody>
+      </p:sp>
+      <p:sp>
+        <p:nvSpPr>
+          <p:cNvPr id="32" name="TextBox 31">
+            <a:hlinkClick r:id="rId5"/>
+            <a:extLst>
+              <a:ext uri="{FF2B5EF4-FFF2-40B4-BE49-F238E27FC236}">
+                <a16:creationId xmlns:a16="http://schemas.microsoft.com/office/drawing/2014/main" id="{99A55A7B-4454-4118-9F77-E5D037F50583}"/>
+              </a:ext>
+            </a:extLst>
+          </p:cNvPr>
+          <p:cNvSpPr txBox="1"/>
+          <p:nvPr/>
+        </p:nvSpPr>
+        <p:spPr>
+          <a:xfrm>
+            <a:off x="329642" y="4267687"/>
+            <a:ext cx="2664879" cy="329343"/>
+          </a:xfrm>
+          <a:prstGeom prst="roundRect">
+            <a:avLst>
+              <a:gd name="adj" fmla="val 50000"/>
+            </a:avLst>
+          </a:prstGeom>
+          <a:solidFill>
+            <a:srgbClr val="00B0F0"/>
+          </a:solidFill>
+          <a:ln w="19050">
+            <a:solidFill>
+              <a:schemeClr val="tx1"/>
+            </a:solidFill>
+          </a:ln>
+        </p:spPr>
+        <p:txBody>
+          <a:bodyPr wrap="square" lIns="0" rIns="0" rtlCol="0" anchor="ctr" anchorCtr="0">
+            <a:noAutofit/>
+          </a:bodyPr>
+          <a:lstStyle/>
+          <a:p>
+            <a:pPr marL="0" marR="0" lvl="0" indent="0" algn="ctr" defTabSz="914400" eaLnBrk="1" fontAlgn="auto" latinLnBrk="0" hangingPunct="1">
+              <a:lnSpc>
+                <a:spcPct val="100000"/>
+              </a:lnSpc>
+              <a:spcBef>
+                <a:spcPts val="0"/>
+              </a:spcBef>
+              <a:spcAft>
+                <a:spcPts val="0"/>
+              </a:spcAft>
+              <a:buClrTx/>
+              <a:buSzTx/>
+              <a:buFontTx/>
+              <a:buNone/>
+              <a:tabLst/>
+              <a:defRPr/>
+            </a:pPr>
+            <a:r>
+              <a:rPr kumimoji="0" lang="en-US" sz="1200" b="0" i="0" u="none" strike="noStrike" kern="0" cap="none" spc="0" normalizeH="0" baseline="0" noProof="0" dirty="0">
+                <a:ln>
+                  <a:noFill/>
+                </a:ln>
+                <a:effectLst/>
+                <a:uLnTx/>
+                <a:uFillTx/>
+              </a:rPr>
+              <a:t>Rodrigo Lessa  | </a:t>
+            </a:r>
+            <a:r>
+              <a:rPr kumimoji="0" lang="en-US" sz="1200" b="0" i="0" u="none" strike="noStrike" kern="0" cap="none" spc="0" normalizeH="0" baseline="0" noProof="0" dirty="0" err="1">
+                <a:ln>
+                  <a:noFill/>
+                </a:ln>
+                <a:effectLst/>
+                <a:uLnTx/>
+                <a:uFillTx/>
+              </a:rPr>
+              <a:t>rodrigolsr@gmail</a:t>
+            </a:r>
+            <a:endParaRPr kumimoji="0" lang="en-US" sz="1200" b="1" i="0" u="none" strike="noStrike" kern="0" cap="none" spc="0" normalizeH="0" baseline="0" noProof="0" dirty="0">
+              <a:ln>
+                <a:noFill/>
+              </a:ln>
+              <a:effectLst/>
+              <a:uLnTx/>
+              <a:uFillTx/>
+            </a:endParaRPr>
+          </a:p>
+        </p:txBody>
+      </p:sp>
+      <p:sp>
+        <p:nvSpPr>
+          <p:cNvPr id="3" name="Rectangle 2">
+            <a:extLst>
+              <a:ext uri="{FF2B5EF4-FFF2-40B4-BE49-F238E27FC236}">
+                <a16:creationId xmlns:a16="http://schemas.microsoft.com/office/drawing/2014/main" id="{CA480A17-B33A-4E1E-B9C3-7E3069563167}"/>
+              </a:ext>
+            </a:extLst>
+          </p:cNvPr>
+          <p:cNvSpPr/>
+          <p:nvPr/>
+        </p:nvSpPr>
+        <p:spPr>
+          <a:xfrm>
+            <a:off x="0" y="0"/>
+            <a:ext cx="12192000" cy="1240325"/>
+          </a:xfrm>
+          <a:prstGeom prst="rect">
+            <a:avLst/>
+          </a:prstGeom>
+          <a:solidFill>
+            <a:srgbClr val="004568"/>
+          </a:solidFill>
+          <a:ln>
+            <a:noFill/>
+          </a:ln>
+        </p:spPr>
+        <p:style>
+          <a:lnRef idx="2">
+            <a:schemeClr val="accent1">
+              <a:shade val="50000"/>
+            </a:schemeClr>
+          </a:lnRef>
+          <a:fillRef idx="1">
+            <a:schemeClr val="accent1"/>
+          </a:fillRef>
+          <a:effectRef idx="0">
+            <a:schemeClr val="accent1"/>
+          </a:effectRef>
+          <a:fontRef idx="minor">
+            <a:schemeClr val="lt1"/>
+          </a:fontRef>
+        </p:style>
+        <p:txBody>
+          <a:bodyPr rtlCol="0" anchor="ctr"/>
+          <a:lstStyle/>
+          <a:p>
+            <a:pPr algn="ctr"/>
+            <a:endParaRPr lang="en-US"/>
+          </a:p>
+        </p:txBody>
+      </p:sp>
+    </p:spTree>
+    <p:extLst>
+      <p:ext uri="{BB962C8B-B14F-4D97-AF65-F5344CB8AC3E}">
+        <p14:creationId xmlns:p14="http://schemas.microsoft.com/office/powerpoint/2010/main" val="4056726527"/>
+      </p:ext>
+    </p:extLst>
+  </p:cSld>
+  <p:clrMapOvr>
+    <a:masterClrMapping/>
+  </p:clrMapOvr>
+  <mc:AlternateContent xmlns:mc="http://schemas.openxmlformats.org/markup-compatibility/2006" xmlns:p14="http://schemas.microsoft.com/office/powerpoint/2010/main">
+    <mc:Choice Requires="p14">
+      <p:transition spd="med" p14:dur="700">
+        <p:fade/>
+      </p:transition>
+    </mc:Choice>
+    <mc:Fallback xmlns="">
+      <p:transition spd="med">
+        <p:fade/>
+      </p:transition>
+    </mc:Fallback>
+  </mc:AlternateContent>
+</p:sld>
+</file>
+
+<file path=ppt/slides/slide20.xml><?xml version="1.0" encoding="utf-8"?>
 <p:sld xmlns:a="http://schemas.openxmlformats.org/drawingml/2006/main" xmlns:r="http://schemas.openxmlformats.org/officeDocument/2006/relationships" xmlns:p="http://schemas.openxmlformats.org/presentationml/2006/main">
   <p:cSld>
     <p:spTree>
@@ -34346,7 +35622,7 @@
             <a:fld id="{5AE1514C-5E56-4738-A1FF-4B1CFD2A3E36}" type="slidenum">
               <a:rPr lang="en-US" smtClean="0"/>
               <a:pPr/>
-              <a:t>19</a:t>
+              <a:t>20</a:t>
             </a:fld>
             <a:endParaRPr lang="en-US" dirty="0"/>
           </a:p>
@@ -35355,1037 +36631,7 @@
 </p:sld>
 </file>
 
-<file path=ppt/slides/slide2.xml><?xml version="1.0" encoding="utf-8"?>
-<p:sld xmlns:a="http://schemas.openxmlformats.org/drawingml/2006/main" xmlns:r="http://schemas.openxmlformats.org/officeDocument/2006/relationships" xmlns:p="http://schemas.openxmlformats.org/presentationml/2006/main">
-  <p:cSld>
-    <p:bg>
-      <p:bgPr>
-        <a:solidFill>
-          <a:schemeClr val="accent2"/>
-        </a:solidFill>
-        <a:effectLst/>
-      </p:bgPr>
-    </p:bg>
-    <p:spTree>
-      <p:nvGrpSpPr>
-        <p:cNvPr id="1" name=""/>
-        <p:cNvGrpSpPr/>
-        <p:nvPr/>
-      </p:nvGrpSpPr>
-      <p:grpSpPr>
-        <a:xfrm>
-          <a:off x="0" y="0"/>
-          <a:ext cx="0" cy="0"/>
-          <a:chOff x="0" y="0"/>
-          <a:chExt cx="0" cy="0"/>
-        </a:xfrm>
-      </p:grpSpPr>
-      <p:sp>
-        <p:nvSpPr>
-          <p:cNvPr id="4" name="Rectangle 3">
-            <a:extLst>
-              <a:ext uri="{FF2B5EF4-FFF2-40B4-BE49-F238E27FC236}">
-                <a16:creationId xmlns:a16="http://schemas.microsoft.com/office/drawing/2014/main" id="{B79D9361-D212-4CD0-9393-4E403F278B45}"/>
-              </a:ext>
-            </a:extLst>
-          </p:cNvPr>
-          <p:cNvSpPr/>
-          <p:nvPr/>
-        </p:nvSpPr>
-        <p:spPr>
-          <a:xfrm>
-            <a:off x="6954424" y="1336378"/>
-            <a:ext cx="3642055" cy="1301318"/>
-          </a:xfrm>
-          <a:prstGeom prst="rect">
-            <a:avLst/>
-          </a:prstGeom>
-          <a:noFill/>
-          <a:ln w="3175">
-            <a:noFill/>
-          </a:ln>
-        </p:spPr>
-        <p:style>
-          <a:lnRef idx="2">
-            <a:schemeClr val="accent1">
-              <a:shade val="50000"/>
-            </a:schemeClr>
-          </a:lnRef>
-          <a:fillRef idx="1">
-            <a:schemeClr val="accent1"/>
-          </a:fillRef>
-          <a:effectRef idx="0">
-            <a:schemeClr val="accent1"/>
-          </a:effectRef>
-          <a:fontRef idx="minor">
-            <a:schemeClr val="lt1"/>
-          </a:fontRef>
-        </p:style>
-        <p:txBody>
-          <a:bodyPr rtlCol="0" anchor="ctr"/>
-          <a:lstStyle/>
-          <a:p>
-            <a:pPr marL="0" marR="0" lvl="0" indent="0" algn="ctr" defTabSz="914400" rtl="0" eaLnBrk="1" fontAlgn="auto" latinLnBrk="0" hangingPunct="1">
-              <a:lnSpc>
-                <a:spcPct val="100000"/>
-              </a:lnSpc>
-              <a:spcBef>
-                <a:spcPts val="0"/>
-              </a:spcBef>
-              <a:spcAft>
-                <a:spcPts val="0"/>
-              </a:spcAft>
-              <a:buClrTx/>
-              <a:buSzTx/>
-              <a:buFontTx/>
-              <a:buNone/>
-              <a:tabLst/>
-              <a:defRPr/>
-            </a:pPr>
-            <a:endParaRPr kumimoji="0" lang="en-US" sz="1800" b="0" i="0" u="none" strike="noStrike" kern="1200" cap="none" spc="0" normalizeH="0" baseline="0" noProof="0" dirty="0">
-              <a:ln>
-                <a:noFill/>
-              </a:ln>
-              <a:solidFill>
-                <a:srgbClr val="FFFFFF"/>
-              </a:solidFill>
-              <a:effectLst/>
-              <a:uLnTx/>
-              <a:uFillTx/>
-              <a:latin typeface="Segoe UI"/>
-              <a:ea typeface="+mn-ea"/>
-              <a:cs typeface="+mn-cs"/>
-            </a:endParaRPr>
-          </a:p>
-        </p:txBody>
-      </p:sp>
-      <p:graphicFrame>
-        <p:nvGraphicFramePr>
-          <p:cNvPr id="8" name="Chart 7">
-            <a:extLst>
-              <a:ext uri="{FF2B5EF4-FFF2-40B4-BE49-F238E27FC236}">
-                <a16:creationId xmlns:a16="http://schemas.microsoft.com/office/drawing/2014/main" id="{9A1EE16E-F02E-4504-8A88-19B6BF917262}"/>
-              </a:ext>
-            </a:extLst>
-          </p:cNvPr>
-          <p:cNvGraphicFramePr/>
-          <p:nvPr>
-            <p:extLst>
-              <p:ext uri="{D42A27DB-BD31-4B8C-83A1-F6EECF244321}">
-                <p14:modId xmlns:p14="http://schemas.microsoft.com/office/powerpoint/2010/main" val="332300794"/>
-              </p:ext>
-            </p:extLst>
-          </p:nvPr>
-        </p:nvGraphicFramePr>
-        <p:xfrm>
-          <a:off x="3494994" y="3535743"/>
-          <a:ext cx="4343069" cy="2310270"/>
-        </p:xfrm>
-        <a:graphic>
-          <a:graphicData uri="http://schemas.openxmlformats.org/drawingml/2006/chart">
-            <c:chart xmlns:c="http://schemas.openxmlformats.org/drawingml/2006/chart" xmlns:r="http://schemas.openxmlformats.org/officeDocument/2006/relationships" r:id="rId3"/>
-          </a:graphicData>
-        </a:graphic>
-      </p:graphicFrame>
-      <p:sp>
-        <p:nvSpPr>
-          <p:cNvPr id="5" name="TextBox 4">
-            <a:extLst>
-              <a:ext uri="{FF2B5EF4-FFF2-40B4-BE49-F238E27FC236}">
-                <a16:creationId xmlns:a16="http://schemas.microsoft.com/office/drawing/2014/main" id="{DA61607C-0E63-4B28-8C17-EF19EF25D97C}"/>
-              </a:ext>
-            </a:extLst>
-          </p:cNvPr>
-          <p:cNvSpPr txBox="1"/>
-          <p:nvPr/>
-        </p:nvSpPr>
-        <p:spPr>
-          <a:xfrm>
-            <a:off x="4467957" y="2637696"/>
-            <a:ext cx="3465040" cy="646331"/>
-          </a:xfrm>
-          <a:prstGeom prst="rect">
-            <a:avLst/>
-          </a:prstGeom>
-          <a:noFill/>
-        </p:spPr>
-        <p:txBody>
-          <a:bodyPr wrap="square" rtlCol="0">
-            <a:spAutoFit/>
-          </a:bodyPr>
-          <a:lstStyle/>
-          <a:p>
-            <a:pPr marL="0" marR="0" lvl="0" indent="0" algn="l" defTabSz="914400" rtl="0" eaLnBrk="1" fontAlgn="auto" latinLnBrk="0" hangingPunct="1">
-              <a:lnSpc>
-                <a:spcPct val="100000"/>
-              </a:lnSpc>
-              <a:spcBef>
-                <a:spcPts val="0"/>
-              </a:spcBef>
-              <a:spcAft>
-                <a:spcPts val="0"/>
-              </a:spcAft>
-              <a:buClrTx/>
-              <a:buSzTx/>
-              <a:buFontTx/>
-              <a:buNone/>
-              <a:tabLst/>
-              <a:defRPr/>
-            </a:pPr>
-            <a:r>
-              <a:rPr kumimoji="0" lang="en-US" sz="1800" b="0" i="0" u="none" strike="noStrike" kern="1200" cap="none" spc="0" normalizeH="0" baseline="0" noProof="0" dirty="0" err="1">
-                <a:ln>
-                  <a:noFill/>
-                </a:ln>
-                <a:effectLst/>
-                <a:uLnTx/>
-                <a:uFillTx/>
-                <a:latin typeface="Segoe UI"/>
-                <a:ea typeface="+mn-ea"/>
-                <a:cs typeface="+mn-cs"/>
-              </a:rPr>
-              <a:t>Melhorando</a:t>
-            </a:r>
-            <a:r>
-              <a:rPr kumimoji="0" lang="en-US" sz="1800" b="0" i="0" u="none" strike="noStrike" kern="1200" cap="none" spc="0" normalizeH="0" baseline="0" noProof="0" dirty="0">
-                <a:ln>
-                  <a:noFill/>
-                </a:ln>
-                <a:effectLst/>
-                <a:uLnTx/>
-                <a:uFillTx/>
-                <a:latin typeface="Segoe UI"/>
-                <a:ea typeface="+mn-ea"/>
-                <a:cs typeface="+mn-cs"/>
-              </a:rPr>
-              <a:t> a </a:t>
-            </a:r>
-            <a:r>
-              <a:rPr kumimoji="0" lang="en-US" sz="1800" b="0" i="0" u="none" strike="noStrike" kern="1200" cap="none" spc="0" normalizeH="0" baseline="0" noProof="0" dirty="0" err="1">
-                <a:ln>
-                  <a:noFill/>
-                </a:ln>
-                <a:effectLst/>
-                <a:uLnTx/>
-                <a:uFillTx/>
-                <a:latin typeface="Segoe UI"/>
-                <a:ea typeface="+mn-ea"/>
-                <a:cs typeface="+mn-cs"/>
-              </a:rPr>
-              <a:t>qualidade</a:t>
-            </a:r>
-            <a:r>
-              <a:rPr kumimoji="0" lang="en-US" sz="1800" b="0" i="0" u="none" strike="noStrike" kern="1200" cap="none" spc="0" normalizeH="0" baseline="0" noProof="0" dirty="0">
-                <a:ln>
-                  <a:noFill/>
-                </a:ln>
-                <a:effectLst/>
-                <a:uLnTx/>
-                <a:uFillTx/>
-                <a:latin typeface="Segoe UI"/>
-                <a:ea typeface="+mn-ea"/>
-                <a:cs typeface="+mn-cs"/>
-              </a:rPr>
-              <a:t> do </a:t>
-            </a:r>
-            <a:r>
-              <a:rPr kumimoji="0" lang="en-US" sz="1800" b="0" i="0" u="none" strike="noStrike" kern="1200" cap="none" spc="0" normalizeH="0" baseline="0" noProof="0" dirty="0" err="1">
-                <a:ln>
-                  <a:noFill/>
-                </a:ln>
-                <a:effectLst/>
-                <a:uLnTx/>
-                <a:uFillTx/>
-                <a:latin typeface="Segoe UI"/>
-                <a:ea typeface="+mn-ea"/>
-                <a:cs typeface="+mn-cs"/>
-              </a:rPr>
-              <a:t>seu</a:t>
-            </a:r>
-            <a:r>
-              <a:rPr kumimoji="0" lang="en-US" sz="1800" b="0" i="0" u="none" strike="noStrike" kern="1200" cap="none" spc="0" normalizeH="0" baseline="0" noProof="0" dirty="0">
-                <a:ln>
-                  <a:noFill/>
-                </a:ln>
-                <a:effectLst/>
-                <a:uLnTx/>
-                <a:uFillTx/>
-                <a:latin typeface="Segoe UI"/>
-                <a:ea typeface="+mn-ea"/>
-                <a:cs typeface="+mn-cs"/>
-              </a:rPr>
-              <a:t> </a:t>
-            </a:r>
-            <a:r>
-              <a:rPr kumimoji="0" lang="en-US" sz="1800" b="0" i="0" u="none" strike="noStrike" kern="1200" cap="none" spc="0" normalizeH="0" baseline="0" noProof="0" dirty="0" err="1">
-                <a:ln>
-                  <a:noFill/>
-                </a:ln>
-                <a:effectLst/>
-                <a:uLnTx/>
-                <a:uFillTx/>
-                <a:latin typeface="Segoe UI"/>
-                <a:ea typeface="+mn-ea"/>
-                <a:cs typeface="+mn-cs"/>
-              </a:rPr>
-              <a:t>código</a:t>
-            </a:r>
-            <a:r>
-              <a:rPr kumimoji="0" lang="en-US" sz="1800" b="0" i="0" u="none" strike="noStrike" kern="1200" cap="none" spc="0" normalizeH="0" baseline="0" noProof="0" dirty="0">
-                <a:ln>
-                  <a:noFill/>
-                </a:ln>
-                <a:effectLst/>
-                <a:uLnTx/>
-                <a:uFillTx/>
-                <a:latin typeface="Segoe UI"/>
-                <a:ea typeface="+mn-ea"/>
-                <a:cs typeface="+mn-cs"/>
-              </a:rPr>
-              <a:t> com Visual Studio 2017.</a:t>
-            </a:r>
-          </a:p>
-        </p:txBody>
-      </p:sp>
-      <p:graphicFrame>
-        <p:nvGraphicFramePr>
-          <p:cNvPr id="29" name="Chart 28">
-            <a:extLst>
-              <a:ext uri="{FF2B5EF4-FFF2-40B4-BE49-F238E27FC236}">
-                <a16:creationId xmlns:a16="http://schemas.microsoft.com/office/drawing/2014/main" id="{63804109-C9E0-4E1E-8F26-B4B0157422EF}"/>
-              </a:ext>
-            </a:extLst>
-          </p:cNvPr>
-          <p:cNvGraphicFramePr/>
-          <p:nvPr>
-            <p:extLst>
-              <p:ext uri="{D42A27DB-BD31-4B8C-83A1-F6EECF244321}">
-                <p14:modId xmlns:p14="http://schemas.microsoft.com/office/powerpoint/2010/main" val="2249203645"/>
-              </p:ext>
-            </p:extLst>
-          </p:nvPr>
-        </p:nvGraphicFramePr>
-        <p:xfrm>
-          <a:off x="8026685" y="2342327"/>
-          <a:ext cx="3338859" cy="3289212"/>
-        </p:xfrm>
-        <a:graphic>
-          <a:graphicData uri="http://schemas.openxmlformats.org/drawingml/2006/chart">
-            <c:chart xmlns:c="http://schemas.openxmlformats.org/drawingml/2006/chart" xmlns:r="http://schemas.openxmlformats.org/officeDocument/2006/relationships" r:id="rId4"/>
-          </a:graphicData>
-        </a:graphic>
-      </p:graphicFrame>
-      <p:sp>
-        <p:nvSpPr>
-          <p:cNvPr id="28" name="Freeform 127">
-            <a:extLst>
-              <a:ext uri="{FF2B5EF4-FFF2-40B4-BE49-F238E27FC236}">
-                <a16:creationId xmlns:a16="http://schemas.microsoft.com/office/drawing/2014/main" id="{D9D370F5-DAB2-4387-B86E-127EE7668D3B}"/>
-              </a:ext>
-            </a:extLst>
-          </p:cNvPr>
-          <p:cNvSpPr>
-            <a:spLocks noChangeAspect="1"/>
-          </p:cNvSpPr>
-          <p:nvPr/>
-        </p:nvSpPr>
-        <p:spPr bwMode="black">
-          <a:xfrm>
-            <a:off x="7932997" y="3800770"/>
-            <a:ext cx="2326273" cy="1830769"/>
-          </a:xfrm>
-          <a:custGeom>
-            <a:avLst/>
-            <a:gdLst>
-              <a:gd name="connsiteX0" fmla="*/ 427036 w 1971675"/>
-              <a:gd name="connsiteY0" fmla="*/ 1374775 h 1409700"/>
-              <a:gd name="connsiteX1" fmla="*/ 1544636 w 1971675"/>
-              <a:gd name="connsiteY1" fmla="*/ 1374775 h 1409700"/>
-              <a:gd name="connsiteX2" fmla="*/ 1544636 w 1971675"/>
-              <a:gd name="connsiteY2" fmla="*/ 1409700 h 1409700"/>
-              <a:gd name="connsiteX3" fmla="*/ 427036 w 1971675"/>
-              <a:gd name="connsiteY3" fmla="*/ 1409700 h 1409700"/>
-              <a:gd name="connsiteX4" fmla="*/ 104775 w 1971675"/>
-              <a:gd name="connsiteY4" fmla="*/ 104775 h 1409700"/>
-              <a:gd name="connsiteX5" fmla="*/ 104775 w 1971675"/>
-              <a:gd name="connsiteY5" fmla="*/ 1028700 h 1409700"/>
-              <a:gd name="connsiteX6" fmla="*/ 761999 w 1971675"/>
-              <a:gd name="connsiteY6" fmla="*/ 1028700 h 1409700"/>
-              <a:gd name="connsiteX7" fmla="*/ 1198562 w 1971675"/>
-              <a:gd name="connsiteY7" fmla="*/ 1028700 h 1409700"/>
-              <a:gd name="connsiteX8" fmla="*/ 1879600 w 1971675"/>
-              <a:gd name="connsiteY8" fmla="*/ 1028700 h 1409700"/>
-              <a:gd name="connsiteX9" fmla="*/ 1879600 w 1971675"/>
-              <a:gd name="connsiteY9" fmla="*/ 104775 h 1409700"/>
-              <a:gd name="connsiteX10" fmla="*/ 985837 w 1971675"/>
-              <a:gd name="connsiteY10" fmla="*/ 23812 h 1409700"/>
-              <a:gd name="connsiteX11" fmla="*/ 957262 w 1971675"/>
-              <a:gd name="connsiteY11" fmla="*/ 46831 h 1409700"/>
-              <a:gd name="connsiteX12" fmla="*/ 985837 w 1971675"/>
-              <a:gd name="connsiteY12" fmla="*/ 69850 h 1409700"/>
-              <a:gd name="connsiteX13" fmla="*/ 1014412 w 1971675"/>
-              <a:gd name="connsiteY13" fmla="*/ 46831 h 1409700"/>
-              <a:gd name="connsiteX14" fmla="*/ 985837 w 1971675"/>
-              <a:gd name="connsiteY14" fmla="*/ 23812 h 1409700"/>
-              <a:gd name="connsiteX15" fmla="*/ 103772 w 1971675"/>
-              <a:gd name="connsiteY15" fmla="*/ 0 h 1409700"/>
-              <a:gd name="connsiteX16" fmla="*/ 1856372 w 1971675"/>
-              <a:gd name="connsiteY16" fmla="*/ 0 h 1409700"/>
-              <a:gd name="connsiteX17" fmla="*/ 1971675 w 1971675"/>
-              <a:gd name="connsiteY17" fmla="*/ 103909 h 1409700"/>
-              <a:gd name="connsiteX18" fmla="*/ 1971675 w 1971675"/>
-              <a:gd name="connsiteY18" fmla="*/ 1027546 h 1409700"/>
-              <a:gd name="connsiteX19" fmla="*/ 1856372 w 1971675"/>
-              <a:gd name="connsiteY19" fmla="*/ 1143000 h 1409700"/>
-              <a:gd name="connsiteX20" fmla="*/ 1277877 w 1971675"/>
-              <a:gd name="connsiteY20" fmla="*/ 1143000 h 1409700"/>
-              <a:gd name="connsiteX21" fmla="*/ 1198562 w 1971675"/>
-              <a:gd name="connsiteY21" fmla="*/ 1143000 h 1409700"/>
-              <a:gd name="connsiteX22" fmla="*/ 1198562 w 1971675"/>
-              <a:gd name="connsiteY22" fmla="*/ 1212850 h 1409700"/>
-              <a:gd name="connsiteX23" fmla="*/ 1198562 w 1971675"/>
-              <a:gd name="connsiteY23" fmla="*/ 1258887 h 1409700"/>
-              <a:gd name="connsiteX24" fmla="*/ 1452561 w 1971675"/>
-              <a:gd name="connsiteY24" fmla="*/ 1258887 h 1409700"/>
-              <a:gd name="connsiteX25" fmla="*/ 1544636 w 1971675"/>
-              <a:gd name="connsiteY25" fmla="*/ 1374774 h 1409700"/>
-              <a:gd name="connsiteX26" fmla="*/ 427036 w 1971675"/>
-              <a:gd name="connsiteY26" fmla="*/ 1374774 h 1409700"/>
-              <a:gd name="connsiteX27" fmla="*/ 519111 w 1971675"/>
-              <a:gd name="connsiteY27" fmla="*/ 1258887 h 1409700"/>
-              <a:gd name="connsiteX28" fmla="*/ 761999 w 1971675"/>
-              <a:gd name="connsiteY28" fmla="*/ 1258887 h 1409700"/>
-              <a:gd name="connsiteX29" fmla="*/ 761999 w 1971675"/>
-              <a:gd name="connsiteY29" fmla="*/ 1212850 h 1409700"/>
-              <a:gd name="connsiteX30" fmla="*/ 761999 w 1971675"/>
-              <a:gd name="connsiteY30" fmla="*/ 1143000 h 1409700"/>
-              <a:gd name="connsiteX31" fmla="*/ 673281 w 1971675"/>
-              <a:gd name="connsiteY31" fmla="*/ 1143000 h 1409700"/>
-              <a:gd name="connsiteX32" fmla="*/ 103772 w 1971675"/>
-              <a:gd name="connsiteY32" fmla="*/ 1143000 h 1409700"/>
-              <a:gd name="connsiteX33" fmla="*/ 0 w 1971675"/>
-              <a:gd name="connsiteY33" fmla="*/ 1027546 h 1409700"/>
-              <a:gd name="connsiteX34" fmla="*/ 0 w 1971675"/>
-              <a:gd name="connsiteY34" fmla="*/ 103909 h 1409700"/>
-              <a:gd name="connsiteX35" fmla="*/ 103772 w 1971675"/>
-              <a:gd name="connsiteY35" fmla="*/ 0 h 1409700"/>
-            </a:gdLst>
-            <a:ahLst/>
-            <a:cxnLst>
-              <a:cxn ang="0">
-                <a:pos x="connsiteX0" y="connsiteY0"/>
-              </a:cxn>
-              <a:cxn ang="0">
-                <a:pos x="connsiteX1" y="connsiteY1"/>
-              </a:cxn>
-              <a:cxn ang="0">
-                <a:pos x="connsiteX2" y="connsiteY2"/>
-              </a:cxn>
-              <a:cxn ang="0">
-                <a:pos x="connsiteX3" y="connsiteY3"/>
-              </a:cxn>
-              <a:cxn ang="0">
-                <a:pos x="connsiteX4" y="connsiteY4"/>
-              </a:cxn>
-              <a:cxn ang="0">
-                <a:pos x="connsiteX5" y="connsiteY5"/>
-              </a:cxn>
-              <a:cxn ang="0">
-                <a:pos x="connsiteX6" y="connsiteY6"/>
-              </a:cxn>
-              <a:cxn ang="0">
-                <a:pos x="connsiteX7" y="connsiteY7"/>
-              </a:cxn>
-              <a:cxn ang="0">
-                <a:pos x="connsiteX8" y="connsiteY8"/>
-              </a:cxn>
-              <a:cxn ang="0">
-                <a:pos x="connsiteX9" y="connsiteY9"/>
-              </a:cxn>
-              <a:cxn ang="0">
-                <a:pos x="connsiteX10" y="connsiteY10"/>
-              </a:cxn>
-              <a:cxn ang="0">
-                <a:pos x="connsiteX11" y="connsiteY11"/>
-              </a:cxn>
-              <a:cxn ang="0">
-                <a:pos x="connsiteX12" y="connsiteY12"/>
-              </a:cxn>
-              <a:cxn ang="0">
-                <a:pos x="connsiteX13" y="connsiteY13"/>
-              </a:cxn>
-              <a:cxn ang="0">
-                <a:pos x="connsiteX14" y="connsiteY14"/>
-              </a:cxn>
-              <a:cxn ang="0">
-                <a:pos x="connsiteX15" y="connsiteY15"/>
-              </a:cxn>
-              <a:cxn ang="0">
-                <a:pos x="connsiteX16" y="connsiteY16"/>
-              </a:cxn>
-              <a:cxn ang="0">
-                <a:pos x="connsiteX17" y="connsiteY17"/>
-              </a:cxn>
-              <a:cxn ang="0">
-                <a:pos x="connsiteX18" y="connsiteY18"/>
-              </a:cxn>
-              <a:cxn ang="0">
-                <a:pos x="connsiteX19" y="connsiteY19"/>
-              </a:cxn>
-              <a:cxn ang="0">
-                <a:pos x="connsiteX20" y="connsiteY20"/>
-              </a:cxn>
-              <a:cxn ang="0">
-                <a:pos x="connsiteX21" y="connsiteY21"/>
-              </a:cxn>
-              <a:cxn ang="0">
-                <a:pos x="connsiteX22" y="connsiteY22"/>
-              </a:cxn>
-              <a:cxn ang="0">
-                <a:pos x="connsiteX23" y="connsiteY23"/>
-              </a:cxn>
-              <a:cxn ang="0">
-                <a:pos x="connsiteX24" y="connsiteY24"/>
-              </a:cxn>
-              <a:cxn ang="0">
-                <a:pos x="connsiteX25" y="connsiteY25"/>
-              </a:cxn>
-              <a:cxn ang="0">
-                <a:pos x="connsiteX26" y="connsiteY26"/>
-              </a:cxn>
-              <a:cxn ang="0">
-                <a:pos x="connsiteX27" y="connsiteY27"/>
-              </a:cxn>
-              <a:cxn ang="0">
-                <a:pos x="connsiteX28" y="connsiteY28"/>
-              </a:cxn>
-              <a:cxn ang="0">
-                <a:pos x="connsiteX29" y="connsiteY29"/>
-              </a:cxn>
-              <a:cxn ang="0">
-                <a:pos x="connsiteX30" y="connsiteY30"/>
-              </a:cxn>
-              <a:cxn ang="0">
-                <a:pos x="connsiteX31" y="connsiteY31"/>
-              </a:cxn>
-              <a:cxn ang="0">
-                <a:pos x="connsiteX32" y="connsiteY32"/>
-              </a:cxn>
-              <a:cxn ang="0">
-                <a:pos x="connsiteX33" y="connsiteY33"/>
-              </a:cxn>
-              <a:cxn ang="0">
-                <a:pos x="connsiteX34" y="connsiteY34"/>
-              </a:cxn>
-              <a:cxn ang="0">
-                <a:pos x="connsiteX35" y="connsiteY35"/>
-              </a:cxn>
-            </a:cxnLst>
-            <a:rect l="l" t="t" r="r" b="b"/>
-            <a:pathLst>
-              <a:path w="1971675" h="1409700">
-                <a:moveTo>
-                  <a:pt x="427036" y="1374775"/>
-                </a:moveTo>
-                <a:lnTo>
-                  <a:pt x="1544636" y="1374775"/>
-                </a:lnTo>
-                <a:lnTo>
-                  <a:pt x="1544636" y="1409700"/>
-                </a:lnTo>
-                <a:lnTo>
-                  <a:pt x="427036" y="1409700"/>
-                </a:lnTo>
-                <a:close/>
-                <a:moveTo>
-                  <a:pt x="104775" y="104775"/>
-                </a:moveTo>
-                <a:lnTo>
-                  <a:pt x="104775" y="1028700"/>
-                </a:lnTo>
-                <a:lnTo>
-                  <a:pt x="761999" y="1028700"/>
-                </a:lnTo>
-                <a:lnTo>
-                  <a:pt x="1198562" y="1028700"/>
-                </a:lnTo>
-                <a:lnTo>
-                  <a:pt x="1879600" y="1028700"/>
-                </a:lnTo>
-                <a:lnTo>
-                  <a:pt x="1879600" y="104775"/>
-                </a:lnTo>
-                <a:close/>
-                <a:moveTo>
-                  <a:pt x="985837" y="23812"/>
-                </a:moveTo>
-                <a:cubicBezTo>
-                  <a:pt x="970055" y="23812"/>
-                  <a:pt x="957262" y="34118"/>
-                  <a:pt x="957262" y="46831"/>
-                </a:cubicBezTo>
-                <a:cubicBezTo>
-                  <a:pt x="957262" y="59544"/>
-                  <a:pt x="970055" y="69850"/>
-                  <a:pt x="985837" y="69850"/>
-                </a:cubicBezTo>
-                <a:cubicBezTo>
-                  <a:pt x="1001619" y="69850"/>
-                  <a:pt x="1014412" y="59544"/>
-                  <a:pt x="1014412" y="46831"/>
-                </a:cubicBezTo>
-                <a:cubicBezTo>
-                  <a:pt x="1014412" y="34118"/>
-                  <a:pt x="1001619" y="23812"/>
-                  <a:pt x="985837" y="23812"/>
-                </a:cubicBezTo>
-                <a:close/>
-                <a:moveTo>
-                  <a:pt x="103772" y="0"/>
-                </a:moveTo>
-                <a:cubicBezTo>
-                  <a:pt x="1856372" y="0"/>
-                  <a:pt x="1856372" y="0"/>
-                  <a:pt x="1856372" y="0"/>
-                </a:cubicBezTo>
-                <a:cubicBezTo>
-                  <a:pt x="1925554" y="0"/>
-                  <a:pt x="1971675" y="46182"/>
-                  <a:pt x="1971675" y="103909"/>
-                </a:cubicBezTo>
-                <a:lnTo>
-                  <a:pt x="1971675" y="1027546"/>
-                </a:lnTo>
-                <a:cubicBezTo>
-                  <a:pt x="1971675" y="1085273"/>
-                  <a:pt x="1925554" y="1143000"/>
-                  <a:pt x="1856372" y="1143000"/>
-                </a:cubicBezTo>
-                <a:cubicBezTo>
-                  <a:pt x="1637297" y="1143000"/>
-                  <a:pt x="1445606" y="1143000"/>
-                  <a:pt x="1277877" y="1143000"/>
-                </a:cubicBezTo>
-                <a:lnTo>
-                  <a:pt x="1198562" y="1143000"/>
-                </a:lnTo>
-                <a:lnTo>
-                  <a:pt x="1198562" y="1212850"/>
-                </a:lnTo>
-                <a:lnTo>
-                  <a:pt x="1198562" y="1258887"/>
-                </a:lnTo>
-                <a:lnTo>
-                  <a:pt x="1452561" y="1258887"/>
-                </a:lnTo>
-                <a:lnTo>
-                  <a:pt x="1544636" y="1374774"/>
-                </a:lnTo>
-                <a:lnTo>
-                  <a:pt x="427036" y="1374774"/>
-                </a:lnTo>
-                <a:lnTo>
-                  <a:pt x="519111" y="1258887"/>
-                </a:lnTo>
-                <a:lnTo>
-                  <a:pt x="761999" y="1258887"/>
-                </a:lnTo>
-                <a:lnTo>
-                  <a:pt x="761999" y="1212850"/>
-                </a:lnTo>
-                <a:lnTo>
-                  <a:pt x="761999" y="1143000"/>
-                </a:lnTo>
-                <a:lnTo>
-                  <a:pt x="673281" y="1143000"/>
-                </a:lnTo>
-                <a:cubicBezTo>
-                  <a:pt x="103772" y="1143000"/>
-                  <a:pt x="103772" y="1143000"/>
-                  <a:pt x="103772" y="1143000"/>
-                </a:cubicBezTo>
-                <a:cubicBezTo>
-                  <a:pt x="46121" y="1143000"/>
-                  <a:pt x="0" y="1085273"/>
-                  <a:pt x="0" y="1027546"/>
-                </a:cubicBezTo>
-                <a:cubicBezTo>
-                  <a:pt x="0" y="103909"/>
-                  <a:pt x="0" y="103909"/>
-                  <a:pt x="0" y="103909"/>
-                </a:cubicBezTo>
-                <a:cubicBezTo>
-                  <a:pt x="0" y="46182"/>
-                  <a:pt x="46121" y="0"/>
-                  <a:pt x="103772" y="0"/>
-                </a:cubicBezTo>
-                <a:close/>
-              </a:path>
-            </a:pathLst>
-          </a:custGeom>
-          <a:solidFill>
-            <a:srgbClr val="D9D9D9"/>
-          </a:solidFill>
-          <a:ln>
-            <a:noFill/>
-            <a:headEnd type="none" w="med" len="med"/>
-            <a:tailEnd type="none" w="med" len="med"/>
-          </a:ln>
-          <a:effectLst/>
-          <a:extLst/>
-        </p:spPr>
-        <p:style>
-          <a:lnRef idx="1">
-            <a:schemeClr val="accent2"/>
-          </a:lnRef>
-          <a:fillRef idx="3">
-            <a:schemeClr val="accent2"/>
-          </a:fillRef>
-          <a:effectRef idx="2">
-            <a:schemeClr val="accent2"/>
-          </a:effectRef>
-          <a:fontRef idx="minor">
-            <a:schemeClr val="lt1"/>
-          </a:fontRef>
-        </p:style>
-        <p:txBody>
-          <a:bodyPr rot="0" spcFirstLastPara="0" vertOverflow="overflow" horzOverflow="overflow" vert="horz" wrap="square" lIns="182880" tIns="146304" rIns="182880" bIns="146304" numCol="1" spcCol="0" rtlCol="0" fromWordArt="0" anchor="t" anchorCtr="0" forceAA="0" compatLnSpc="1">
-            <a:prstTxWarp prst="textNoShape">
-              <a:avLst/>
-            </a:prstTxWarp>
-            <a:noAutofit/>
-          </a:bodyPr>
-          <a:lstStyle/>
-          <a:p>
-            <a:pPr algn="ctr" defTabSz="932472" fontAlgn="base">
-              <a:lnSpc>
-                <a:spcPct val="90000"/>
-              </a:lnSpc>
-              <a:spcBef>
-                <a:spcPct val="0"/>
-              </a:spcBef>
-              <a:spcAft>
-                <a:spcPct val="0"/>
-              </a:spcAft>
-            </a:pPr>
-            <a:endParaRPr lang="en-US" sz="2400" dirty="0">
-              <a:gradFill>
-                <a:gsLst>
-                  <a:gs pos="0">
-                    <a:srgbClr val="FFFFFF"/>
-                  </a:gs>
-                  <a:gs pos="100000">
-                    <a:srgbClr val="FFFFFF"/>
-                  </a:gs>
-                </a:gsLst>
-                <a:lin ang="5400000" scaled="0"/>
-              </a:gradFill>
-              <a:ea typeface="Segoe UI" pitchFamily="34" charset="0"/>
-              <a:cs typeface="Segoe UI" pitchFamily="34" charset="0"/>
-            </a:endParaRPr>
-          </a:p>
-        </p:txBody>
-      </p:sp>
-      <p:sp>
-        <p:nvSpPr>
-          <p:cNvPr id="2" name="TextBox 1">
-            <a:extLst>
-              <a:ext uri="{FF2B5EF4-FFF2-40B4-BE49-F238E27FC236}">
-                <a16:creationId xmlns:a16="http://schemas.microsoft.com/office/drawing/2014/main" id="{6BD59475-CD66-4751-83EF-FEC02A44E31A}"/>
-              </a:ext>
-            </a:extLst>
-          </p:cNvPr>
-          <p:cNvSpPr txBox="1"/>
-          <p:nvPr/>
-        </p:nvSpPr>
-        <p:spPr>
-          <a:xfrm>
-            <a:off x="209214" y="2190161"/>
-            <a:ext cx="3555247" cy="1845120"/>
-          </a:xfrm>
-          <a:prstGeom prst="rect">
-            <a:avLst/>
-          </a:prstGeom>
-          <a:noFill/>
-        </p:spPr>
-        <p:txBody>
-          <a:bodyPr wrap="square" rtlCol="0">
-            <a:spAutoFit/>
-          </a:bodyPr>
-          <a:lstStyle/>
-          <a:p>
-            <a:pPr marL="0" marR="0" lvl="0" indent="0" algn="l" defTabSz="914400" rtl="0" eaLnBrk="1" fontAlgn="auto" latinLnBrk="0" hangingPunct="1">
-              <a:lnSpc>
-                <a:spcPct val="85000"/>
-              </a:lnSpc>
-              <a:spcBef>
-                <a:spcPts val="0"/>
-              </a:spcBef>
-              <a:spcAft>
-                <a:spcPts val="0"/>
-              </a:spcAft>
-              <a:buClrTx/>
-              <a:buSzTx/>
-              <a:buFontTx/>
-              <a:buNone/>
-              <a:tabLst/>
-              <a:defRPr/>
-            </a:pPr>
-            <a:r>
-              <a:rPr lang="en-US" sz="3600" b="1" spc="-20" dirty="0">
-                <a:solidFill>
-                  <a:srgbClr val="FFFFFF"/>
-                </a:solidFill>
-                <a:latin typeface="Segoe UI"/>
-              </a:rPr>
-              <a:t>FERRAMENTAS</a:t>
-            </a:r>
-            <a:r>
-              <a:rPr lang="en-US" sz="4800" b="1" spc="-20" dirty="0">
-                <a:solidFill>
-                  <a:srgbClr val="FFFFFF"/>
-                </a:solidFill>
-                <a:latin typeface="Segoe UI"/>
-              </a:rPr>
-              <a:t> </a:t>
-            </a:r>
-            <a:r>
-              <a:rPr lang="en-US" b="1" spc="-20" dirty="0">
-                <a:solidFill>
-                  <a:srgbClr val="FFFFFF"/>
-                </a:solidFill>
-                <a:latin typeface="Segoe UI"/>
-              </a:rPr>
-              <a:t>PARA</a:t>
-            </a:r>
-            <a:r>
-              <a:rPr lang="en-US" sz="4800" b="1" spc="-20" dirty="0">
-                <a:solidFill>
-                  <a:srgbClr val="FFFFFF"/>
-                </a:solidFill>
-                <a:latin typeface="Segoe UI"/>
-              </a:rPr>
-              <a:t> </a:t>
-            </a:r>
-            <a:r>
-              <a:rPr lang="en-US" sz="3500" b="1" spc="-20" dirty="0">
-                <a:solidFill>
-                  <a:srgbClr val="FFFFFF"/>
-                </a:solidFill>
-                <a:latin typeface="Segoe UI"/>
-              </a:rPr>
-              <a:t>QUALIDADE </a:t>
-            </a:r>
-            <a:r>
-              <a:rPr lang="en-US" sz="2400" b="1" spc="-20" dirty="0">
-                <a:solidFill>
-                  <a:srgbClr val="FFFFFF"/>
-                </a:solidFill>
-                <a:latin typeface="Segoe UI"/>
-              </a:rPr>
-              <a:t>E</a:t>
-            </a:r>
-            <a:r>
-              <a:rPr lang="en-US" sz="3500" b="1" spc="-20" dirty="0">
-                <a:solidFill>
-                  <a:srgbClr val="FFFFFF"/>
-                </a:solidFill>
-                <a:latin typeface="Segoe UI"/>
-              </a:rPr>
-              <a:t> </a:t>
-            </a:r>
-            <a:r>
-              <a:rPr lang="en-US" sz="3800" b="1" spc="-20" dirty="0">
-                <a:solidFill>
-                  <a:srgbClr val="FFFFFF"/>
-                </a:solidFill>
-                <a:latin typeface="Segoe UI"/>
-              </a:rPr>
-              <a:t>OTIMIZAÇÃO</a:t>
-            </a:r>
-            <a:endParaRPr kumimoji="0" lang="en-US" sz="3800" b="1" i="0" u="none" strike="noStrike" kern="1200" cap="none" spc="-20" normalizeH="0" baseline="0" noProof="0" dirty="0">
-              <a:ln>
-                <a:noFill/>
-              </a:ln>
-              <a:solidFill>
-                <a:srgbClr val="FFFFFF"/>
-              </a:solidFill>
-              <a:effectLst/>
-              <a:uLnTx/>
-              <a:uFillTx/>
-              <a:latin typeface="Segoe UI"/>
-              <a:ea typeface="+mn-ea"/>
-              <a:cs typeface="+mn-cs"/>
-            </a:endParaRPr>
-          </a:p>
-        </p:txBody>
-      </p:sp>
-      <p:sp>
-        <p:nvSpPr>
-          <p:cNvPr id="32" name="TextBox 31">
-            <a:hlinkClick r:id="rId5"/>
-            <a:extLst>
-              <a:ext uri="{FF2B5EF4-FFF2-40B4-BE49-F238E27FC236}">
-                <a16:creationId xmlns:a16="http://schemas.microsoft.com/office/drawing/2014/main" id="{99A55A7B-4454-4118-9F77-E5D037F50583}"/>
-              </a:ext>
-            </a:extLst>
-          </p:cNvPr>
-          <p:cNvSpPr txBox="1"/>
-          <p:nvPr/>
-        </p:nvSpPr>
-        <p:spPr>
-          <a:xfrm>
-            <a:off x="329642" y="4267687"/>
-            <a:ext cx="2664879" cy="329343"/>
-          </a:xfrm>
-          <a:prstGeom prst="roundRect">
-            <a:avLst>
-              <a:gd name="adj" fmla="val 50000"/>
-            </a:avLst>
-          </a:prstGeom>
-          <a:solidFill>
-            <a:srgbClr val="00B0F0"/>
-          </a:solidFill>
-          <a:ln w="19050">
-            <a:solidFill>
-              <a:schemeClr val="tx1"/>
-            </a:solidFill>
-          </a:ln>
-        </p:spPr>
-        <p:txBody>
-          <a:bodyPr wrap="square" lIns="0" rIns="0" rtlCol="0" anchor="ctr" anchorCtr="0">
-            <a:noAutofit/>
-          </a:bodyPr>
-          <a:lstStyle/>
-          <a:p>
-            <a:pPr marL="0" marR="0" lvl="0" indent="0" algn="ctr" defTabSz="914400" eaLnBrk="1" fontAlgn="auto" latinLnBrk="0" hangingPunct="1">
-              <a:lnSpc>
-                <a:spcPct val="100000"/>
-              </a:lnSpc>
-              <a:spcBef>
-                <a:spcPts val="0"/>
-              </a:spcBef>
-              <a:spcAft>
-                <a:spcPts val="0"/>
-              </a:spcAft>
-              <a:buClrTx/>
-              <a:buSzTx/>
-              <a:buFontTx/>
-              <a:buNone/>
-              <a:tabLst/>
-              <a:defRPr/>
-            </a:pPr>
-            <a:r>
-              <a:rPr kumimoji="0" lang="en-US" sz="1200" b="0" i="0" u="none" strike="noStrike" kern="0" cap="none" spc="0" normalizeH="0" baseline="0" noProof="0" dirty="0">
-                <a:ln>
-                  <a:noFill/>
-                </a:ln>
-                <a:effectLst/>
-                <a:uLnTx/>
-                <a:uFillTx/>
-              </a:rPr>
-              <a:t>Rodrigo Lessa  | </a:t>
-            </a:r>
-            <a:r>
-              <a:rPr kumimoji="0" lang="en-US" sz="1200" b="0" i="0" u="none" strike="noStrike" kern="0" cap="none" spc="0" normalizeH="0" baseline="0" noProof="0" dirty="0" err="1">
-                <a:ln>
-                  <a:noFill/>
-                </a:ln>
-                <a:effectLst/>
-                <a:uLnTx/>
-                <a:uFillTx/>
-              </a:rPr>
-              <a:t>rodrigolsr@gmail</a:t>
-            </a:r>
-            <a:endParaRPr kumimoji="0" lang="en-US" sz="1200" b="1" i="0" u="none" strike="noStrike" kern="0" cap="none" spc="0" normalizeH="0" baseline="0" noProof="0" dirty="0">
-              <a:ln>
-                <a:noFill/>
-              </a:ln>
-              <a:effectLst/>
-              <a:uLnTx/>
-              <a:uFillTx/>
-            </a:endParaRPr>
-          </a:p>
-        </p:txBody>
-      </p:sp>
-      <p:sp>
-        <p:nvSpPr>
-          <p:cNvPr id="3" name="Rectangle 2">
-            <a:extLst>
-              <a:ext uri="{FF2B5EF4-FFF2-40B4-BE49-F238E27FC236}">
-                <a16:creationId xmlns:a16="http://schemas.microsoft.com/office/drawing/2014/main" id="{CA480A17-B33A-4E1E-B9C3-7E3069563167}"/>
-              </a:ext>
-            </a:extLst>
-          </p:cNvPr>
-          <p:cNvSpPr/>
-          <p:nvPr/>
-        </p:nvSpPr>
-        <p:spPr>
-          <a:xfrm>
-            <a:off x="0" y="0"/>
-            <a:ext cx="12192000" cy="1240325"/>
-          </a:xfrm>
-          <a:prstGeom prst="rect">
-            <a:avLst/>
-          </a:prstGeom>
-          <a:solidFill>
-            <a:srgbClr val="004568"/>
-          </a:solidFill>
-          <a:ln>
-            <a:noFill/>
-          </a:ln>
-        </p:spPr>
-        <p:style>
-          <a:lnRef idx="2">
-            <a:schemeClr val="accent1">
-              <a:shade val="50000"/>
-            </a:schemeClr>
-          </a:lnRef>
-          <a:fillRef idx="1">
-            <a:schemeClr val="accent1"/>
-          </a:fillRef>
-          <a:effectRef idx="0">
-            <a:schemeClr val="accent1"/>
-          </a:effectRef>
-          <a:fontRef idx="minor">
-            <a:schemeClr val="lt1"/>
-          </a:fontRef>
-        </p:style>
-        <p:txBody>
-          <a:bodyPr rtlCol="0" anchor="ctr"/>
-          <a:lstStyle/>
-          <a:p>
-            <a:pPr algn="ctr"/>
-            <a:endParaRPr lang="en-US"/>
-          </a:p>
-        </p:txBody>
-      </p:sp>
-    </p:spTree>
-    <p:extLst>
-      <p:ext uri="{BB962C8B-B14F-4D97-AF65-F5344CB8AC3E}">
-        <p14:creationId xmlns:p14="http://schemas.microsoft.com/office/powerpoint/2010/main" val="4056726527"/>
-      </p:ext>
-    </p:extLst>
-  </p:cSld>
-  <p:clrMapOvr>
-    <a:masterClrMapping/>
-  </p:clrMapOvr>
-  <mc:AlternateContent xmlns:mc="http://schemas.openxmlformats.org/markup-compatibility/2006" xmlns:p14="http://schemas.microsoft.com/office/powerpoint/2010/main">
-    <mc:Choice Requires="p14">
-      <p:transition spd="med" p14:dur="700">
-        <p:fade/>
-      </p:transition>
-    </mc:Choice>
-    <mc:Fallback xmlns="">
-      <p:transition spd="med">
-        <p:fade/>
-      </p:transition>
-    </mc:Fallback>
-  </mc:AlternateContent>
-</p:sld>
-</file>
-
-<file path=ppt/slides/slide20.xml><?xml version="1.0" encoding="utf-8"?>
+<file path=ppt/slides/slide21.xml><?xml version="1.0" encoding="utf-8"?>
 <p:sld xmlns:a="http://schemas.openxmlformats.org/drawingml/2006/main" xmlns:r="http://schemas.openxmlformats.org/officeDocument/2006/relationships" xmlns:p="http://schemas.openxmlformats.org/presentationml/2006/main">
   <p:cSld>
     <p:spTree>
@@ -36598,7 +36844,7 @@
 </p:sld>
 </file>
 
-<file path=ppt/slides/slide21.xml><?xml version="1.0" encoding="utf-8"?>
+<file path=ppt/slides/slide22.xml><?xml version="1.0" encoding="utf-8"?>
 <p:sld xmlns:a="http://schemas.openxmlformats.org/drawingml/2006/main" xmlns:r="http://schemas.openxmlformats.org/officeDocument/2006/relationships" xmlns:p="http://schemas.openxmlformats.org/presentationml/2006/main">
   <p:cSld>
     <p:spTree>
@@ -37358,7 +37604,7 @@
 </p:sld>
 </file>
 
-<file path=ppt/slides/slide22.xml><?xml version="1.0" encoding="utf-8"?>
+<file path=ppt/slides/slide23.xml><?xml version="1.0" encoding="utf-8"?>
 <p:sld xmlns:a="http://schemas.openxmlformats.org/drawingml/2006/main" xmlns:r="http://schemas.openxmlformats.org/officeDocument/2006/relationships" xmlns:p="http://schemas.openxmlformats.org/presentationml/2006/main">
   <p:cSld>
     <p:spTree>
@@ -37504,7 +37750,121 @@
 </p:sld>
 </file>
 
-<file path=ppt/slides/slide23.xml><?xml version="1.0" encoding="utf-8"?>
+<file path=ppt/slides/slide24.xml><?xml version="1.0" encoding="utf-8"?>
+<p:sld xmlns:a="http://schemas.openxmlformats.org/drawingml/2006/main" xmlns:r="http://schemas.openxmlformats.org/officeDocument/2006/relationships" xmlns:p="http://schemas.openxmlformats.org/presentationml/2006/main">
+  <p:cSld>
+    <p:spTree>
+      <p:nvGrpSpPr>
+        <p:cNvPr id="1" name=""/>
+        <p:cNvGrpSpPr/>
+        <p:nvPr/>
+      </p:nvGrpSpPr>
+      <p:grpSpPr>
+        <a:xfrm>
+          <a:off x="0" y="0"/>
+          <a:ext cx="0" cy="0"/>
+          <a:chOff x="0" y="0"/>
+          <a:chExt cx="0" cy="0"/>
+        </a:xfrm>
+      </p:grpSpPr>
+      <p:sp>
+        <p:nvSpPr>
+          <p:cNvPr id="2" name="Title 1">
+            <a:extLst>
+              <a:ext uri="{FF2B5EF4-FFF2-40B4-BE49-F238E27FC236}">
+                <a16:creationId xmlns:a16="http://schemas.microsoft.com/office/drawing/2014/main" id="{C42D4857-2B1A-4106-A28C-0BA9F6226F46}"/>
+              </a:ext>
+            </a:extLst>
+          </p:cNvPr>
+          <p:cNvSpPr>
+            <a:spLocks noGrp="1"/>
+          </p:cNvSpPr>
+          <p:nvPr>
+            <p:ph type="title"/>
+          </p:nvPr>
+        </p:nvSpPr>
+        <p:spPr/>
+        <p:txBody>
+          <a:bodyPr/>
+          <a:lstStyle/>
+          <a:p>
+            <a:r>
+              <a:rPr lang="pt-BR" dirty="0">
+                <a:solidFill>
+                  <a:srgbClr val="92D050"/>
+                </a:solidFill>
+              </a:rPr>
+              <a:t>Referências</a:t>
+            </a:r>
+            <a:r>
+              <a:rPr lang="pt-BR" dirty="0"/>
+              <a:t> | Microsoft</a:t>
+            </a:r>
+          </a:p>
+        </p:txBody>
+      </p:sp>
+      <p:sp>
+        <p:nvSpPr>
+          <p:cNvPr id="3" name="TextBox 2">
+            <a:extLst>
+              <a:ext uri="{FF2B5EF4-FFF2-40B4-BE49-F238E27FC236}">
+                <a16:creationId xmlns:a16="http://schemas.microsoft.com/office/drawing/2014/main" id="{981CDE0C-DF41-4692-A67B-F629FE20225D}"/>
+              </a:ext>
+            </a:extLst>
+          </p:cNvPr>
+          <p:cNvSpPr txBox="1"/>
+          <p:nvPr/>
+        </p:nvSpPr>
+        <p:spPr>
+          <a:xfrm>
+            <a:off x="633985" y="1536192"/>
+            <a:ext cx="9048634" cy="1454694"/>
+          </a:xfrm>
+          <a:prstGeom prst="rect">
+            <a:avLst/>
+          </a:prstGeom>
+          <a:noFill/>
+        </p:spPr>
+        <p:txBody>
+          <a:bodyPr wrap="square" rtlCol="0">
+            <a:spAutoFit/>
+          </a:bodyPr>
+          <a:lstStyle/>
+          <a:p>
+            <a:pPr marL="342900" indent="-342900">
+              <a:lnSpc>
+                <a:spcPct val="200000"/>
+              </a:lnSpc>
+              <a:buFont typeface="Arial" panose="020B0604020202020204" pitchFamily="34" charset="0"/>
+              <a:buChar char="•"/>
+            </a:pPr>
+            <a:r>
+              <a:rPr lang="pt-BR" sz="2400" dirty="0">
+                <a:latin typeface="Segoe UI Semibold" panose="020B0702040204020203" pitchFamily="34" charset="0"/>
+                <a:cs typeface="Segoe UI Semibold" panose="020B0702040204020203" pitchFamily="34" charset="0"/>
+              </a:rPr>
+              <a:t>Intellitrace - https://docs.microsoft.com/en-us/visualstudio/debugger/how-to-use-intellitrace-step-back</a:t>
+            </a:r>
+          </a:p>
+        </p:txBody>
+      </p:sp>
+    </p:spTree>
+    <p:extLst>
+      <p:ext uri="{BB962C8B-B14F-4D97-AF65-F5344CB8AC3E}">
+        <p14:creationId xmlns:p14="http://schemas.microsoft.com/office/powerpoint/2010/main" val="3612981744"/>
+      </p:ext>
+    </p:extLst>
+  </p:cSld>
+  <p:clrMapOvr>
+    <a:masterClrMapping/>
+  </p:clrMapOvr>
+  <p:transition>
+    <p:fade/>
+  </p:transition>
+</p:sld>
+</file>
+
+<file path=ppt/slides/slide25.xml><?xml version="1.0" encoding="utf-8"?>
 <p:sld xmlns:a="http://schemas.openxmlformats.org/drawingml/2006/main" xmlns:r="http://schemas.openxmlformats.org/officeDocument/2006/relationships" xmlns:p="http://schemas.openxmlformats.org/presentationml/2006/main">
   <p:cSld>
     <p:bg>
